--- a/Coursera IBM Capstone_Part 1.pptx
+++ b/Coursera IBM Capstone_Part 1.pptx
@@ -5,13 +5,14 @@
     <p:sldMasterId id="2147483648" r:id="rId1"/>
   </p:sldMasterIdLst>
   <p:notesMasterIdLst>
-    <p:notesMasterId r:id="rId6"/>
+    <p:notesMasterId r:id="rId7"/>
   </p:notesMasterIdLst>
   <p:sldIdLst>
     <p:sldId id="256" r:id="rId2"/>
     <p:sldId id="257" r:id="rId3"/>
     <p:sldId id="258" r:id="rId4"/>
-    <p:sldId id="259" r:id="rId5"/>
+    <p:sldId id="260" r:id="rId5"/>
+    <p:sldId id="261" r:id="rId6"/>
   </p:sldIdLst>
   <p:sldSz cx="12192000" cy="6858000"/>
   <p:notesSz cx="6858000" cy="9144000"/>
@@ -951,42 +952,6 @@
         </a:p>
       </dgm:t>
     </dgm:pt>
-    <dgm:pt modelId="{A411FEB0-7366-4F96-983A-2B800742436D}">
-      <dgm:prSet/>
-      <dgm:spPr/>
-      <dgm:t>
-        <a:bodyPr/>
-        <a:lstStyle/>
-        <a:p>
-          <a:r>
-            <a:rPr lang="en-IN" b="1" dirty="0"/>
-            <a:t>Having a hospital nearby the accident location can be the crucial difference between life and death  </a:t>
-          </a:r>
-        </a:p>
-      </dgm:t>
-    </dgm:pt>
-    <dgm:pt modelId="{ADC56CEA-573D-4D70-A28F-E6643463740A}" type="parTrans" cxnId="{09423925-3D94-444C-8CE0-65243B3F41A0}">
-      <dgm:prSet/>
-      <dgm:spPr/>
-      <dgm:t>
-        <a:bodyPr/>
-        <a:lstStyle/>
-        <a:p>
-          <a:endParaRPr lang="en-IN"/>
-        </a:p>
-      </dgm:t>
-    </dgm:pt>
-    <dgm:pt modelId="{65DD76D8-7461-435E-A31C-E4625466E16F}" type="sibTrans" cxnId="{09423925-3D94-444C-8CE0-65243B3F41A0}">
-      <dgm:prSet/>
-      <dgm:spPr/>
-      <dgm:t>
-        <a:bodyPr/>
-        <a:lstStyle/>
-        <a:p>
-          <a:endParaRPr lang="en-IN"/>
-        </a:p>
-      </dgm:t>
-    </dgm:pt>
     <dgm:pt modelId="{34E5D45F-BC05-458D-B9B9-BFCBD8FB3072}">
       <dgm:prSet custT="1"/>
       <dgm:spPr/>
@@ -1108,7 +1073,7 @@
           </a:pPr>
           <a:r>
             <a:rPr lang="en-IN" dirty="0"/>
-            <a:t>What percentage of recent traffic accidents occurred too far from the nearest hospital?</a:t>
+            <a:t>What percentage of recent traffic accidents occurred too far from the nearest hospital (outside hosp. coverage zones)?</a:t>
           </a:r>
         </a:p>
       </dgm:t>
@@ -1184,7 +1149,7 @@
           </a:pPr>
           <a:r>
             <a:rPr lang="en-IN" dirty="0"/>
-            <a:t>If the administration can afford to open a few new hospitals, where should they be located in order to minimize the hospital coverage gaps?</a:t>
+            <a:t>If the LA city administration can afford to open a few new hospitals, where should they be located in order to minimize the hospital coverage gaps?</a:t>
           </a:r>
         </a:p>
       </dgm:t>
@@ -1260,7 +1225,7 @@
         <a:p>
           <a:r>
             <a:rPr lang="en-IN" sz="1600" dirty="0"/>
-            <a:t>Scope, Stakeholders and Assumptions</a:t>
+            <a:t>Scope, Target Audience and Assumptions</a:t>
           </a:r>
         </a:p>
       </dgm:t>
@@ -1300,7 +1265,11 @@
           </a:r>
           <a:r>
             <a:rPr lang="en-IN" dirty="0"/>
-            <a:t> : Analysis is limited to the city of Los Angeles</a:t>
+            <a:t> : Analysis is </a:t>
+          </a:r>
+          <a:r>
+            <a:rPr lang="en-IN" b="1" dirty="0"/>
+            <a:t>limited to the city of Los Angeles</a:t>
           </a:r>
         </a:p>
       </dgm:t>
@@ -1340,7 +1309,7 @@
           </a:r>
           <a:r>
             <a:rPr lang="en-IN" dirty="0"/>
-            <a:t>: Resources like funds, space along with necessary permissions are assumed to be available for opening new hospitals at proposed locations. It is also assumed that future traffic collisions will follow similar pattern as last few years.</a:t>
+            <a:t>: Resources like funds, space along with necessary permissions are assumed to be available for opening few new hospitals at proposed locations. It is assumed that future traffic collisions will follow similar pattern as last few years.</a:t>
           </a:r>
         </a:p>
       </dgm:t>
@@ -1376,11 +1345,15 @@
         <a:p>
           <a:r>
             <a:rPr lang="en-IN" b="1" dirty="0"/>
-            <a:t>Stakeholders</a:t>
+            <a:t>Target Audience</a:t>
           </a:r>
           <a:r>
             <a:rPr lang="en-IN" dirty="0"/>
-            <a:t>: Local Administration of Los Angeles City</a:t>
+            <a:t>: </a:t>
+          </a:r>
+          <a:r>
+            <a:rPr lang="en-IN" b="1" dirty="0"/>
+            <a:t>The target audience is the Local Administration of Los Angeles City</a:t>
           </a:r>
         </a:p>
       </dgm:t>
@@ -1397,6 +1370,115 @@
       </dgm:t>
     </dgm:pt>
     <dgm:pt modelId="{CE56BD83-7853-488D-B6BA-11B6A237E11A}" type="sibTrans" cxnId="{41582CFE-B863-4F62-93AD-DF3E25ADE9F1}">
+      <dgm:prSet/>
+      <dgm:spPr/>
+      <dgm:t>
+        <a:bodyPr/>
+        <a:lstStyle/>
+        <a:p>
+          <a:endParaRPr lang="en-IN"/>
+        </a:p>
+      </dgm:t>
+    </dgm:pt>
+    <dgm:pt modelId="{B91F47FA-6A27-4D5A-8ED4-BCF31B847F8C}">
+      <dgm:prSet/>
+      <dgm:spPr/>
+      <dgm:t>
+        <a:bodyPr/>
+        <a:lstStyle/>
+        <a:p>
+          <a:r>
+            <a:rPr lang="en-IN" b="0" dirty="0"/>
+            <a:t>Assuming that Los Angeles city administration wants to open a few new hospitals for catering to traffic collision victims, this analysis aims to identify the optimum locations in order minimize hospital coverage gaps</a:t>
+          </a:r>
+        </a:p>
+      </dgm:t>
+    </dgm:pt>
+    <dgm:pt modelId="{5BDA7638-2D35-4006-B594-B9592CEC710D}" type="parTrans" cxnId="{A46EA86E-F4A1-4017-8E48-E3DB82961155}">
+      <dgm:prSet/>
+      <dgm:spPr/>
+      <dgm:t>
+        <a:bodyPr/>
+        <a:lstStyle/>
+        <a:p>
+          <a:endParaRPr lang="en-IN"/>
+        </a:p>
+      </dgm:t>
+    </dgm:pt>
+    <dgm:pt modelId="{74549CDB-2111-4637-8143-D58D14588376}" type="sibTrans" cxnId="{A46EA86E-F4A1-4017-8E48-E3DB82961155}">
+      <dgm:prSet/>
+      <dgm:spPr/>
+      <dgm:t>
+        <a:bodyPr/>
+        <a:lstStyle/>
+        <a:p>
+          <a:endParaRPr lang="en-IN"/>
+        </a:p>
+      </dgm:t>
+    </dgm:pt>
+    <dgm:pt modelId="{6D566BCA-BF70-4CE0-9076-558989F8FE2A}">
+      <dgm:prSet/>
+      <dgm:spPr/>
+      <dgm:t>
+        <a:bodyPr/>
+        <a:lstStyle/>
+        <a:p>
+          <a:r>
+            <a:rPr lang="en-IN" b="0" dirty="0"/>
+            <a:t>Any individual hospital can provide timely health services only to accident victims located within a coverage radius of 10 to 12 km around it. The hospital coverage zone can be visualized as a circle with the hospital at the centre and radius as coverage radius set at a reasonable distance of around 10 to 12 km .</a:t>
+          </a:r>
+        </a:p>
+      </dgm:t>
+    </dgm:pt>
+    <dgm:pt modelId="{53F4B71B-982C-4035-AA61-1F717884287D}" type="parTrans" cxnId="{EA5D0FC1-E61E-42E1-9B75-8F37AB7B0C9D}">
+      <dgm:prSet/>
+      <dgm:spPr/>
+      <dgm:t>
+        <a:bodyPr/>
+        <a:lstStyle/>
+        <a:p>
+          <a:endParaRPr lang="en-IN"/>
+        </a:p>
+      </dgm:t>
+    </dgm:pt>
+    <dgm:pt modelId="{E9FA8B2B-F044-4E2F-B2CA-31444D57D404}" type="sibTrans" cxnId="{EA5D0FC1-E61E-42E1-9B75-8F37AB7B0C9D}">
+      <dgm:prSet/>
+      <dgm:spPr/>
+      <dgm:t>
+        <a:bodyPr/>
+        <a:lstStyle/>
+        <a:p>
+          <a:endParaRPr lang="en-IN"/>
+        </a:p>
+      </dgm:t>
+    </dgm:pt>
+    <dgm:pt modelId="{C0E0CE7D-CB32-4881-A95E-563E434033FF}">
+      <dgm:prSet/>
+      <dgm:spPr/>
+      <dgm:t>
+        <a:bodyPr/>
+        <a:lstStyle/>
+        <a:p>
+          <a:r>
+            <a:rPr lang="en-IN" b="1" dirty="0"/>
+            <a:t>Having a hospital nearby the accident location can be the crucial difference between life and death</a:t>
+          </a:r>
+          <a:endParaRPr lang="en-IN" b="0" dirty="0"/>
+        </a:p>
+      </dgm:t>
+    </dgm:pt>
+    <dgm:pt modelId="{7024F7E3-9471-46C7-B9BD-37F52E662AA1}" type="parTrans" cxnId="{7A2275C6-1862-41E4-A2D8-B17CF79442DB}">
+      <dgm:prSet/>
+      <dgm:spPr/>
+      <dgm:t>
+        <a:bodyPr/>
+        <a:lstStyle/>
+        <a:p>
+          <a:endParaRPr lang="en-IN"/>
+        </a:p>
+      </dgm:t>
+    </dgm:pt>
+    <dgm:pt modelId="{08F697C1-9A12-4FF4-8CB8-292D3DAE95ED}" type="sibTrans" cxnId="{7A2275C6-1862-41E4-A2D8-B17CF79442DB}">
       <dgm:prSet/>
       <dgm:spPr/>
       <dgm:t>
@@ -1519,14 +1601,16 @@
     <dgm:cxn modelId="{56FB2D07-56DB-4426-AE8B-EC5CB3E7AB32}" srcId="{F8534B60-A961-465F-8BB8-BDBF9094756D}" destId="{D29A0D3F-5EC7-4774-A028-E7EE640B256B}" srcOrd="0" destOrd="0" parTransId="{AA0078D7-387C-4D54-91E9-1036EA2545F0}" sibTransId="{20A9FF38-0F5B-4CDB-8FEC-CA9B4DD14445}"/>
     <dgm:cxn modelId="{67CC4D12-DA7B-4B47-86E5-A3CC880C0BFE}" type="presOf" srcId="{FB8CADCE-2149-4BB7-884E-BE760F935493}" destId="{7D6A2E80-5DD5-4201-B36A-E162F661985B}" srcOrd="0" destOrd="2" presId="urn:microsoft.com/office/officeart/2005/8/layout/list1"/>
     <dgm:cxn modelId="{138BDF15-035A-4A41-906B-A10141D9DAC9}" srcId="{34E5D45F-BC05-458D-B9B9-BFCBD8FB3072}" destId="{FB8CADCE-2149-4BB7-884E-BE760F935493}" srcOrd="1" destOrd="0" parTransId="{CB2B86DC-40A6-4B86-8997-2A87FCEFA06B}" sibTransId="{157D9ABC-2933-4DFD-9D6D-3473B0B6DA7B}"/>
-    <dgm:cxn modelId="{09423925-3D94-444C-8CE0-65243B3F41A0}" srcId="{F8534B60-A961-465F-8BB8-BDBF9094756D}" destId="{A411FEB0-7366-4F96-983A-2B800742436D}" srcOrd="1" destOrd="0" parTransId="{ADC56CEA-573D-4D70-A28F-E6643463740A}" sibTransId="{65DD76D8-7461-435E-A31C-E4625466E16F}"/>
     <dgm:cxn modelId="{8B59B527-2F3C-4837-9423-CE1D4F7C28A2}" type="presOf" srcId="{5E50782C-30CF-4E18-8D5A-C7E7FD21F550}" destId="{688C5F43-D371-49E1-8E05-D173C3B24311}" srcOrd="0" destOrd="0" presId="urn:microsoft.com/office/officeart/2005/8/layout/list1"/>
+    <dgm:cxn modelId="{74D9C929-BCBF-42FE-91A6-2D3A218552A6}" type="presOf" srcId="{6D566BCA-BF70-4CE0-9076-558989F8FE2A}" destId="{D2696560-B419-4C6D-B971-31F621A1168C}" srcOrd="0" destOrd="1" presId="urn:microsoft.com/office/officeart/2005/8/layout/list1"/>
     <dgm:cxn modelId="{513A7337-7B65-4B90-BADB-4C38BAE12D14}" srcId="{D32C4F2B-FE1A-4F44-B41A-D7C34D2D1A3F}" destId="{805E5CEE-94A8-4A3C-A3C8-F8F9A001E655}" srcOrd="1" destOrd="0" parTransId="{79FC3EAE-6B46-44F9-B78E-473D53EB37A0}" sibTransId="{32F13AD5-D7D3-46D0-846C-A06472E82C73}"/>
     <dgm:cxn modelId="{5476343A-1247-49CB-B635-97EEBFA7BB79}" srcId="{FB8CADCE-2149-4BB7-884E-BE760F935493}" destId="{259024D7-5A20-4920-99F2-F5D7BFAC253D}" srcOrd="0" destOrd="0" parTransId="{794E8D65-03D9-4FB3-A390-7CC3711961B9}" sibTransId="{8624C428-0D5F-4CA8-ACA6-CDE6824735DB}"/>
     <dgm:cxn modelId="{A9A5103D-323B-4852-94F2-C40792010BBF}" type="presOf" srcId="{ADD27189-7E56-4231-A43E-9A35E691071C}" destId="{7D6A2E80-5DD5-4201-B36A-E162F661985B}" srcOrd="0" destOrd="0" presId="urn:microsoft.com/office/officeart/2005/8/layout/list1"/>
     <dgm:cxn modelId="{7CF48A5F-5651-4E7A-9FC8-2C17EA0D8707}" type="presOf" srcId="{92A41B2C-6DBD-40E2-B67B-F6B7C97390FF}" destId="{7D6A2E80-5DD5-4201-B36A-E162F661985B}" srcOrd="0" destOrd="4" presId="urn:microsoft.com/office/officeart/2005/8/layout/list1"/>
     <dgm:cxn modelId="{FE297460-D834-4DEE-BAF2-889C01BE4B74}" type="presOf" srcId="{F8534B60-A961-465F-8BB8-BDBF9094756D}" destId="{878D6377-9365-4A4B-BC63-B69172CF3681}" srcOrd="1" destOrd="0" presId="urn:microsoft.com/office/officeart/2005/8/layout/list1"/>
+    <dgm:cxn modelId="{8445B361-EB9A-4DF1-B79A-4DCAE835EDCD}" type="presOf" srcId="{B91F47FA-6A27-4D5A-8ED4-BCF31B847F8C}" destId="{D2696560-B419-4C6D-B971-31F621A1168C}" srcOrd="0" destOrd="3" presId="urn:microsoft.com/office/officeart/2005/8/layout/list1"/>
     <dgm:cxn modelId="{1D099744-7C32-4B0A-96B9-3D9EE7B29C82}" type="presOf" srcId="{D32C4F2B-FE1A-4F44-B41A-D7C34D2D1A3F}" destId="{DBF8C534-3F5F-4365-A1F9-61739216A9F1}" srcOrd="0" destOrd="0" presId="urn:microsoft.com/office/officeart/2005/8/layout/list1"/>
+    <dgm:cxn modelId="{A46EA86E-F4A1-4017-8E48-E3DB82961155}" srcId="{F8534B60-A961-465F-8BB8-BDBF9094756D}" destId="{B91F47FA-6A27-4D5A-8ED4-BCF31B847F8C}" srcOrd="3" destOrd="0" parTransId="{5BDA7638-2D35-4006-B594-B9592CEC710D}" sibTransId="{74549CDB-2111-4637-8143-D58D14588376}"/>
     <dgm:cxn modelId="{33365853-4CAD-4338-A360-F9065F106CED}" srcId="{ADD27189-7E56-4231-A43E-9A35E691071C}" destId="{0DBFFD70-A30E-46D3-93D3-C0BFAEBD1785}" srcOrd="0" destOrd="0" parTransId="{E199D345-9BC0-41B8-A07F-AF1ECC3CBDEA}" sibTransId="{9D5FC96F-2FB8-4340-B03F-7E8FAE71220C}"/>
     <dgm:cxn modelId="{BDF7BD78-E72D-4279-8199-F95D8051E5CF}" srcId="{34E5D45F-BC05-458D-B9B9-BFCBD8FB3072}" destId="{ADD27189-7E56-4231-A43E-9A35E691071C}" srcOrd="0" destOrd="0" parTransId="{DC0691D0-FEAC-48B1-9706-6A32DB27DD20}" sibTransId="{94D0CF29-C70A-4CA2-8251-E33EF336EB8D}"/>
     <dgm:cxn modelId="{09D2BA7B-8BB4-4230-B5C2-104D8D6225B8}" srcId="{805E5CEE-94A8-4A3C-A3C8-F8F9A001E655}" destId="{5E50782C-30CF-4E18-8D5A-C7E7FD21F550}" srcOrd="0" destOrd="0" parTransId="{8D15A72E-6761-41BE-9C8F-CCAC94BD289F}" sibTransId="{90EE92BA-5231-41A3-AF50-28083EF53112}"/>
@@ -1539,10 +1623,12 @@
     <dgm:cxn modelId="{A21A30A6-7CBC-48E8-A61E-226C5C3BB1BE}" type="presOf" srcId="{8E127B6C-A50F-489F-9BAD-7784B44FE1C8}" destId="{7D6A2E80-5DD5-4201-B36A-E162F661985B}" srcOrd="0" destOrd="5" presId="urn:microsoft.com/office/officeart/2005/8/layout/list1"/>
     <dgm:cxn modelId="{3BE2C4B9-A084-4E51-81C6-5E67394158C1}" srcId="{D32C4F2B-FE1A-4F44-B41A-D7C34D2D1A3F}" destId="{F8534B60-A961-465F-8BB8-BDBF9094756D}" srcOrd="0" destOrd="0" parTransId="{FC459B91-3FDC-42C1-AADE-3B94EAB51FB3}" sibTransId="{3E0D4EEB-F0BE-48C3-88CF-77D10D739B61}"/>
     <dgm:cxn modelId="{D650D7BC-9564-40DA-B019-0CB46B165596}" srcId="{D32C4F2B-FE1A-4F44-B41A-D7C34D2D1A3F}" destId="{34E5D45F-BC05-458D-B9B9-BFCBD8FB3072}" srcOrd="2" destOrd="0" parTransId="{2A04AF78-1E10-48C8-B278-1D37CAF5C694}" sibTransId="{D9EAFE48-C646-44D1-AFA6-4BE91F4B765D}"/>
+    <dgm:cxn modelId="{EA5D0FC1-E61E-42E1-9B75-8F37AB7B0C9D}" srcId="{F8534B60-A961-465F-8BB8-BDBF9094756D}" destId="{6D566BCA-BF70-4CE0-9076-558989F8FE2A}" srcOrd="1" destOrd="0" parTransId="{53F4B71B-982C-4035-AA61-1F717884287D}" sibTransId="{E9FA8B2B-F044-4E2F-B2CA-31444D57D404}"/>
     <dgm:cxn modelId="{BEEEBFC1-5767-455B-8760-E81B48A5D43A}" type="presOf" srcId="{0DBFFD70-A30E-46D3-93D3-C0BFAEBD1785}" destId="{7D6A2E80-5DD5-4201-B36A-E162F661985B}" srcOrd="0" destOrd="1" presId="urn:microsoft.com/office/officeart/2005/8/layout/list1"/>
+    <dgm:cxn modelId="{5E1466C5-7F9A-4F09-9625-80D520EB4035}" type="presOf" srcId="{C0E0CE7D-CB32-4881-A95E-563E434033FF}" destId="{D2696560-B419-4C6D-B971-31F621A1168C}" srcOrd="0" destOrd="2" presId="urn:microsoft.com/office/officeart/2005/8/layout/list1"/>
+    <dgm:cxn modelId="{7A2275C6-1862-41E4-A2D8-B17CF79442DB}" srcId="{F8534B60-A961-465F-8BB8-BDBF9094756D}" destId="{C0E0CE7D-CB32-4881-A95E-563E434033FF}" srcOrd="2" destOrd="0" parTransId="{7024F7E3-9471-46C7-B9BD-37F52E662AA1}" sibTransId="{08F697C1-9A12-4FF4-8CB8-292D3DAE95ED}"/>
     <dgm:cxn modelId="{EC1135C7-5344-4901-904C-D6980B965AE0}" type="presOf" srcId="{F8534B60-A961-465F-8BB8-BDBF9094756D}" destId="{5D4CF8B0-A7D8-490B-8CF8-D24B8331D98C}" srcOrd="0" destOrd="0" presId="urn:microsoft.com/office/officeart/2005/8/layout/list1"/>
     <dgm:cxn modelId="{F5FB50C9-C087-4035-A6F1-DE1A2BAB4F24}" type="presOf" srcId="{1E0E2A22-07DA-404D-BFEF-B20FDE5E0894}" destId="{688C5F43-D371-49E1-8E05-D173C3B24311}" srcOrd="0" destOrd="1" presId="urn:microsoft.com/office/officeart/2005/8/layout/list1"/>
-    <dgm:cxn modelId="{B6234AD2-1E53-4CC4-A1BC-8676EF439DF6}" type="presOf" srcId="{A411FEB0-7366-4F96-983A-2B800742436D}" destId="{D2696560-B419-4C6D-B971-31F621A1168C}" srcOrd="0" destOrd="1" presId="urn:microsoft.com/office/officeart/2005/8/layout/list1"/>
     <dgm:cxn modelId="{8BE89FE2-91E5-4FE8-AAF6-13A1EB7C898D}" type="presOf" srcId="{34E5D45F-BC05-458D-B9B9-BFCBD8FB3072}" destId="{4BB84082-2462-4346-917B-5F2ED2AD78DD}" srcOrd="1" destOrd="0" presId="urn:microsoft.com/office/officeart/2005/8/layout/list1"/>
     <dgm:cxn modelId="{41582CFE-B863-4F62-93AD-DF3E25ADE9F1}" srcId="{805E5CEE-94A8-4A3C-A3C8-F8F9A001E655}" destId="{1E0E2A22-07DA-404D-BFEF-B20FDE5E0894}" srcOrd="1" destOrd="0" parTransId="{1492BFC7-F395-45B0-AEDD-349A169B42FA}" sibTransId="{CE56BD83-7853-488D-B6BA-11B6A237E11A}"/>
     <dgm:cxn modelId="{1542C1FF-12AC-43C5-B623-F39B1FD38190}" type="presOf" srcId="{F5CEB744-577A-4B20-98D3-FB5B4884AE71}" destId="{688C5F43-D371-49E1-8E05-D173C3B24311}" srcOrd="0" destOrd="2" presId="urn:microsoft.com/office/officeart/2005/8/layout/list1"/>
@@ -1589,8 +1675,8 @@
       </dsp:nvSpPr>
       <dsp:spPr>
         <a:xfrm>
-          <a:off x="0" y="431488"/>
-          <a:ext cx="10515600" cy="815850"/>
+          <a:off x="0" y="287879"/>
+          <a:ext cx="10515601" cy="1896300"/>
         </a:xfrm>
         <a:prstGeom prst="rect">
           <a:avLst/>
@@ -1667,14 +1753,51 @@
             <a:buChar char="•"/>
           </a:pPr>
           <a:r>
+            <a:rPr lang="en-IN" sz="1400" b="0" kern="1200" dirty="0"/>
+            <a:t>Any individual hospital can provide timely health services only to accident victims located within a coverage radius of 10 to 12 km around it. The hospital coverage zone can be visualized as a circle with the hospital at the centre and radius as coverage radius set at a reasonable distance of around 10 to 12 km .</a:t>
+          </a:r>
+        </a:p>
+        <a:p>
+          <a:pPr marL="114300" lvl="1" indent="-114300" algn="l" defTabSz="622300">
+            <a:lnSpc>
+              <a:spcPct val="90000"/>
+            </a:lnSpc>
+            <a:spcBef>
+              <a:spcPct val="0"/>
+            </a:spcBef>
+            <a:spcAft>
+              <a:spcPct val="15000"/>
+            </a:spcAft>
+            <a:buChar char="•"/>
+          </a:pPr>
+          <a:r>
             <a:rPr lang="en-IN" sz="1400" b="1" kern="1200" dirty="0"/>
-            <a:t>Having a hospital nearby the accident location can be the crucial difference between life and death  </a:t>
+            <a:t>Having a hospital nearby the accident location can be the crucial difference between life and death</a:t>
+          </a:r>
+          <a:endParaRPr lang="en-IN" sz="1400" b="0" kern="1200" dirty="0"/>
+        </a:p>
+        <a:p>
+          <a:pPr marL="114300" lvl="1" indent="-114300" algn="l" defTabSz="622300">
+            <a:lnSpc>
+              <a:spcPct val="90000"/>
+            </a:lnSpc>
+            <a:spcBef>
+              <a:spcPct val="0"/>
+            </a:spcBef>
+            <a:spcAft>
+              <a:spcPct val="15000"/>
+            </a:spcAft>
+            <a:buChar char="•"/>
+          </a:pPr>
+          <a:r>
+            <a:rPr lang="en-IN" sz="1400" b="0" kern="1200" dirty="0"/>
+            <a:t>Assuming that Los Angeles city administration wants to open a few new hospitals for catering to traffic collision victims, this analysis aims to identify the optimum locations in order minimize hospital coverage gaps</a:t>
           </a:r>
         </a:p>
       </dsp:txBody>
       <dsp:txXfrm>
-        <a:off x="0" y="431488"/>
-        <a:ext cx="10515600" cy="815850"/>
+        <a:off x="0" y="287879"/>
+        <a:ext cx="10515601" cy="1896300"/>
       </dsp:txXfrm>
     </dsp:sp>
     <dsp:sp modelId="{878D6377-9365-4A4B-BC63-B69172CF3681}">
@@ -1684,7 +1807,7 @@
       </dsp:nvSpPr>
       <dsp:spPr>
         <a:xfrm>
-          <a:off x="393283" y="224848"/>
+          <a:off x="393283" y="81239"/>
           <a:ext cx="7360920" cy="413280"/>
         </a:xfrm>
         <a:prstGeom prst="roundRect">
@@ -1751,7 +1874,7 @@
         </a:p>
       </dsp:txBody>
       <dsp:txXfrm>
-        <a:off x="413458" y="245023"/>
+        <a:off x="413458" y="101414"/>
         <a:ext cx="7320570" cy="372930"/>
       </dsp:txXfrm>
     </dsp:sp>
@@ -1762,8 +1885,8 @@
       </dsp:nvSpPr>
       <dsp:spPr>
         <a:xfrm>
-          <a:off x="0" y="1529578"/>
-          <a:ext cx="10515600" cy="1256850"/>
+          <a:off x="0" y="2466419"/>
+          <a:ext cx="10515601" cy="1256850"/>
         </a:xfrm>
         <a:prstGeom prst="rect">
           <a:avLst/>
@@ -1827,7 +1950,11 @@
           </a:r>
           <a:r>
             <a:rPr lang="en-IN" sz="1400" kern="1200" dirty="0"/>
-            <a:t> : Analysis is limited to the city of Los Angeles</a:t>
+            <a:t> : Analysis is </a:t>
+          </a:r>
+          <a:r>
+            <a:rPr lang="en-IN" sz="1400" b="1" kern="1200" dirty="0"/>
+            <a:t>limited to the city of Los Angeles</a:t>
           </a:r>
         </a:p>
         <a:p>
@@ -1845,11 +1972,15 @@
           </a:pPr>
           <a:r>
             <a:rPr lang="en-IN" sz="1400" b="1" kern="1200" dirty="0"/>
-            <a:t>Stakeholders</a:t>
+            <a:t>Target Audience</a:t>
           </a:r>
           <a:r>
             <a:rPr lang="en-IN" sz="1400" kern="1200" dirty="0"/>
-            <a:t>: Local Administration of Los Angeles City</a:t>
+            <a:t>: </a:t>
+          </a:r>
+          <a:r>
+            <a:rPr lang="en-IN" sz="1400" b="1" kern="1200" dirty="0"/>
+            <a:t>The target audience is the Local Administration of Los Angeles City</a:t>
           </a:r>
         </a:p>
         <a:p>
@@ -1871,13 +2002,13 @@
           </a:r>
           <a:r>
             <a:rPr lang="en-IN" sz="1400" kern="1200" dirty="0"/>
-            <a:t>: Resources like funds, space along with necessary permissions are assumed to be available for opening new hospitals at proposed locations. It is also assumed that future traffic collisions will follow similar pattern as last few years.</a:t>
+            <a:t>: Resources like funds, space along with necessary permissions are assumed to be available for opening few new hospitals at proposed locations. It is assumed that future traffic collisions will follow similar pattern as last few years.</a:t>
           </a:r>
         </a:p>
       </dsp:txBody>
       <dsp:txXfrm>
-        <a:off x="0" y="1529578"/>
-        <a:ext cx="10515600" cy="1256850"/>
+        <a:off x="0" y="2466419"/>
+        <a:ext cx="10515601" cy="1256850"/>
       </dsp:txXfrm>
     </dsp:sp>
     <dsp:sp modelId="{09C881CD-C528-4FB7-A60C-994E2CDC8C20}">
@@ -1887,7 +2018,7 @@
       </dsp:nvSpPr>
       <dsp:spPr>
         <a:xfrm>
-          <a:off x="393283" y="1322938"/>
+          <a:off x="393283" y="2259779"/>
           <a:ext cx="7360920" cy="413280"/>
         </a:xfrm>
         <a:prstGeom prst="roundRect">
@@ -1949,12 +2080,12 @@
           </a:pPr>
           <a:r>
             <a:rPr lang="en-IN" sz="1600" kern="1200" dirty="0"/>
-            <a:t>Scope, Stakeholders and Assumptions</a:t>
+            <a:t>Scope, Target Audience and Assumptions</a:t>
           </a:r>
         </a:p>
       </dsp:txBody>
       <dsp:txXfrm>
-        <a:off x="413458" y="1343113"/>
+        <a:off x="413458" y="2279954"/>
         <a:ext cx="7320570" cy="372930"/>
       </dsp:txXfrm>
     </dsp:sp>
@@ -1965,8 +2096,8 @@
       </dsp:nvSpPr>
       <dsp:spPr>
         <a:xfrm>
-          <a:off x="0" y="3068668"/>
-          <a:ext cx="10515600" cy="1940400"/>
+          <a:off x="0" y="4005509"/>
+          <a:ext cx="10515601" cy="1940400"/>
         </a:xfrm>
         <a:prstGeom prst="rect">
           <a:avLst/>
@@ -2082,7 +2213,7 @@
           </a:pPr>
           <a:r>
             <a:rPr lang="en-IN" sz="1400" kern="1200" dirty="0"/>
-            <a:t>What percentage of recent traffic accidents occurred too far from the nearest hospital?</a:t>
+            <a:t>What percentage of recent traffic accidents occurred too far from the nearest hospital (outside hosp. coverage zones)?</a:t>
           </a:r>
         </a:p>
         <a:p>
@@ -2119,13 +2250,13 @@
           </a:pPr>
           <a:r>
             <a:rPr lang="en-IN" sz="1400" kern="1200" dirty="0"/>
-            <a:t>If the administration can afford to open a few new hospitals, where should they be located in order to minimize the hospital coverage gaps?</a:t>
+            <a:t>If the LA city administration can afford to open a few new hospitals, where should they be located in order to minimize the hospital coverage gaps?</a:t>
           </a:r>
         </a:p>
       </dsp:txBody>
       <dsp:txXfrm>
-        <a:off x="0" y="3068668"/>
-        <a:ext cx="10515600" cy="1940400"/>
+        <a:off x="0" y="4005509"/>
+        <a:ext cx="10515601" cy="1940400"/>
       </dsp:txXfrm>
     </dsp:sp>
     <dsp:sp modelId="{4BB84082-2462-4346-917B-5F2ED2AD78DD}">
@@ -2135,7 +2266,7 @@
       </dsp:nvSpPr>
       <dsp:spPr>
         <a:xfrm>
-          <a:off x="393283" y="2862028"/>
+          <a:off x="393283" y="3798869"/>
           <a:ext cx="7360920" cy="413280"/>
         </a:xfrm>
         <a:prstGeom prst="roundRect">
@@ -2202,7 +2333,7 @@
         </a:p>
       </dsp:txBody>
       <dsp:txXfrm>
-        <a:off x="413458" y="2882203"/>
+        <a:off x="413458" y="3819044"/>
         <a:ext cx="7320570" cy="372930"/>
       </dsp:txXfrm>
     </dsp:sp>
@@ -3551,7 +3682,7 @@
           <a:p>
             <a:fld id="{A4916B70-1300-4C99-A34D-8049394ACDE9}" type="datetimeFigureOut">
               <a:rPr lang="en-IN" smtClean="0"/>
-              <a:t>02-05-2020</a:t>
+              <a:t>03-05-2020</a:t>
             </a:fld>
             <a:endParaRPr lang="en-IN"/>
           </a:p>
@@ -3968,7 +4099,7 @@
           <a:p>
             <a:fld id="{308B520D-3BC7-4B6B-B44E-321573362A6E}" type="datetime1">
               <a:rPr lang="en-IN" smtClean="0"/>
-              <a:t>02-05-2020</a:t>
+              <a:t>03-05-2020</a:t>
             </a:fld>
             <a:endParaRPr lang="en-IN"/>
           </a:p>
@@ -4168,7 +4299,7 @@
           <a:p>
             <a:fld id="{33F0E556-1466-482A-973C-F56A3CD98243}" type="datetime1">
               <a:rPr lang="en-IN" smtClean="0"/>
-              <a:t>02-05-2020</a:t>
+              <a:t>03-05-2020</a:t>
             </a:fld>
             <a:endParaRPr lang="en-IN"/>
           </a:p>
@@ -4378,7 +4509,7 @@
           <a:p>
             <a:fld id="{E455F67A-06C8-4D2A-98F2-4DAE58A9F27E}" type="datetime1">
               <a:rPr lang="en-IN" smtClean="0"/>
-              <a:t>02-05-2020</a:t>
+              <a:t>03-05-2020</a:t>
             </a:fld>
             <a:endParaRPr lang="en-IN"/>
           </a:p>
@@ -4578,7 +4709,7 @@
           <a:p>
             <a:fld id="{C883236B-933C-4275-A24A-BA1F66164796}" type="datetime1">
               <a:rPr lang="en-IN" smtClean="0"/>
-              <a:t>02-05-2020</a:t>
+              <a:t>03-05-2020</a:t>
             </a:fld>
             <a:endParaRPr lang="en-IN"/>
           </a:p>
@@ -4854,7 +4985,7 @@
           <a:p>
             <a:fld id="{B4B71193-BE04-4BB9-BB2A-D179DE27D3F3}" type="datetime1">
               <a:rPr lang="en-IN" smtClean="0"/>
-              <a:t>02-05-2020</a:t>
+              <a:t>03-05-2020</a:t>
             </a:fld>
             <a:endParaRPr lang="en-IN"/>
           </a:p>
@@ -5122,7 +5253,7 @@
           <a:p>
             <a:fld id="{8E7DFD7B-7802-485A-A5A8-2ED77A830894}" type="datetime1">
               <a:rPr lang="en-IN" smtClean="0"/>
-              <a:t>02-05-2020</a:t>
+              <a:t>03-05-2020</a:t>
             </a:fld>
             <a:endParaRPr lang="en-IN"/>
           </a:p>
@@ -5537,7 +5668,7 @@
           <a:p>
             <a:fld id="{4C5AA7E0-C127-4999-B308-4A8B4A8F9C66}" type="datetime1">
               <a:rPr lang="en-IN" smtClean="0"/>
-              <a:t>02-05-2020</a:t>
+              <a:t>03-05-2020</a:t>
             </a:fld>
             <a:endParaRPr lang="en-IN"/>
           </a:p>
@@ -5679,7 +5810,7 @@
           <a:p>
             <a:fld id="{61CB3C37-52F0-45D2-A5D0-A29DF175FB2D}" type="datetime1">
               <a:rPr lang="en-IN" smtClean="0"/>
-              <a:t>02-05-2020</a:t>
+              <a:t>03-05-2020</a:t>
             </a:fld>
             <a:endParaRPr lang="en-IN"/>
           </a:p>
@@ -5792,7 +5923,7 @@
           <a:p>
             <a:fld id="{408F024A-4D22-42DC-BF8C-C8279647AD5A}" type="datetime1">
               <a:rPr lang="en-IN" smtClean="0"/>
-              <a:t>02-05-2020</a:t>
+              <a:t>03-05-2020</a:t>
             </a:fld>
             <a:endParaRPr lang="en-IN"/>
           </a:p>
@@ -6105,7 +6236,7 @@
           <a:p>
             <a:fld id="{245290DB-B2A3-4EB9-BC73-1B9A8048FABA}" type="datetime1">
               <a:rPr lang="en-IN" smtClean="0"/>
-              <a:t>02-05-2020</a:t>
+              <a:t>03-05-2020</a:t>
             </a:fld>
             <a:endParaRPr lang="en-IN"/>
           </a:p>
@@ -6394,7 +6525,7 @@
           <a:p>
             <a:fld id="{1C625F00-D864-419B-805C-8D0B8FDB44C6}" type="datetime1">
               <a:rPr lang="en-IN" smtClean="0"/>
-              <a:t>02-05-2020</a:t>
+              <a:t>03-05-2020</a:t>
             </a:fld>
             <a:endParaRPr lang="en-IN"/>
           </a:p>
@@ -6637,7 +6768,7 @@
           <a:p>
             <a:fld id="{8C8C7060-602C-47DE-85F6-B21A0CA4FA0A}" type="datetime1">
               <a:rPr lang="en-IN" smtClean="0"/>
-              <a:t>02-05-2020</a:t>
+              <a:t>03-05-2020</a:t>
             </a:fld>
             <a:endParaRPr lang="en-IN"/>
           </a:p>
@@ -7203,8 +7334,8 @@
         </p:nvSpPr>
         <p:spPr>
           <a:xfrm>
-            <a:off x="838200" y="365126"/>
-            <a:ext cx="10515600" cy="893832"/>
+            <a:off x="838200" y="234500"/>
+            <a:ext cx="10515600" cy="549274"/>
           </a:xfrm>
           <a:ln>
             <a:solidFill>
@@ -7214,7 +7345,7 @@
         </p:spPr>
         <p:txBody>
           <a:bodyPr>
-            <a:normAutofit/>
+            <a:normAutofit fontScale="90000"/>
           </a:bodyPr>
           <a:lstStyle/>
           <a:p>
@@ -7245,14 +7376,14 @@
             <p:ph idx="1"/>
             <p:extLst>
               <p:ext uri="{D42A27DB-BD31-4B8C-83A1-F6EECF244321}">
-                <p14:modId xmlns:p14="http://schemas.microsoft.com/office/powerpoint/2010/main" val="1885681404"/>
+                <p14:modId xmlns:p14="http://schemas.microsoft.com/office/powerpoint/2010/main" val="2001061170"/>
               </p:ext>
             </p:extLst>
           </p:nvPr>
         </p:nvGraphicFramePr>
         <p:xfrm>
-          <a:off x="838200" y="1417982"/>
-          <a:ext cx="10515600" cy="5233917"/>
+          <a:off x="838199" y="783774"/>
+          <a:ext cx="10515601" cy="6027149"/>
         </p:xfrm>
         <a:graphic>
           <a:graphicData uri="http://schemas.openxmlformats.org/drawingml/2006/diagram">
@@ -7324,50 +7455,6 @@
           <a:chExt cx="0" cy="0"/>
         </a:xfrm>
       </p:grpSpPr>
-      <p:sp>
-        <p:nvSpPr>
-          <p:cNvPr id="2" name="Title 1">
-            <a:extLst>
-              <a:ext uri="{FF2B5EF4-FFF2-40B4-BE49-F238E27FC236}">
-                <a16:creationId xmlns:a16="http://schemas.microsoft.com/office/drawing/2014/main" id="{2F982C35-9365-4402-8B09-AE4494AE5F97}"/>
-              </a:ext>
-            </a:extLst>
-          </p:cNvPr>
-          <p:cNvSpPr>
-            <a:spLocks noGrp="1"/>
-          </p:cNvSpPr>
-          <p:nvPr>
-            <p:ph type="title"/>
-          </p:nvPr>
-        </p:nvSpPr>
-        <p:spPr>
-          <a:xfrm>
-            <a:off x="838200" y="365126"/>
-            <a:ext cx="10515600" cy="893832"/>
-          </a:xfrm>
-          <a:ln>
-            <a:solidFill>
-              <a:schemeClr val="tx1"/>
-            </a:solidFill>
-          </a:ln>
-        </p:spPr>
-        <p:txBody>
-          <a:bodyPr>
-            <a:normAutofit/>
-          </a:bodyPr>
-          <a:lstStyle/>
-          <a:p>
-            <a:r>
-              <a:rPr lang="en-IN" sz="4000" b="1" dirty="0">
-                <a:solidFill>
-                  <a:schemeClr val="accent1"/>
-                </a:solidFill>
-              </a:rPr>
-              <a:t>Data (1/2)</a:t>
-            </a:r>
-          </a:p>
-        </p:txBody>
-      </p:sp>
       <p:grpSp>
         <p:nvGrpSpPr>
           <p:cNvPr id="3" name="Group 2">
@@ -7382,10 +7469,10 @@
         </p:nvGrpSpPr>
         <p:grpSpPr>
           <a:xfrm>
-            <a:off x="838200" y="1374294"/>
-            <a:ext cx="5430078" cy="4456663"/>
+            <a:off x="838199" y="1374294"/>
+            <a:ext cx="10515599" cy="5026506"/>
             <a:chOff x="838200" y="1347790"/>
-            <a:chExt cx="5430078" cy="5251793"/>
+            <a:chExt cx="5430078" cy="5375979"/>
           </a:xfrm>
         </p:grpSpPr>
         <p:sp>
@@ -7516,7 +7603,7 @@
               </a:pPr>
               <a:r>
                 <a:rPr lang="en-IN" sz="1600" kern="1200" dirty="0"/>
-                <a:t>Location of last few year’s  traffic collisions in LA </a:t>
+                <a:t>Location data of last few year’s  traffic collisions in Los Angeles city </a:t>
               </a:r>
             </a:p>
             <a:p>
@@ -7534,7 +7621,7 @@
               </a:pPr>
               <a:r>
                 <a:rPr lang="en-IN" sz="1600" kern="1200" dirty="0"/>
-                <a:t>Location of hospitals in Los Angeles</a:t>
+                <a:t>Location of hospitals in Los Angeles city</a:t>
               </a:r>
             </a:p>
             <a:p>
@@ -7734,8 +7821,8 @@
           </p:nvSpPr>
           <p:spPr>
             <a:xfrm>
-              <a:off x="838200" y="3117633"/>
-              <a:ext cx="5430078" cy="3481950"/>
+              <a:off x="838200" y="3241818"/>
+              <a:ext cx="5430078" cy="3481951"/>
             </a:xfrm>
             <a:custGeom>
               <a:avLst/>
@@ -7893,6 +7980,22 @@
               <a:endParaRPr lang="en-IN" sz="1400" kern="1200" dirty="0"/>
             </a:p>
             <a:p>
+              <a:pPr marL="342900" lvl="3" indent="-114300" algn="l" defTabSz="622300">
+                <a:lnSpc>
+                  <a:spcPct val="90000"/>
+                </a:lnSpc>
+                <a:spcBef>
+                  <a:spcPct val="0"/>
+                </a:spcBef>
+                <a:spcAft>
+                  <a:spcPct val="15000"/>
+                </a:spcAft>
+                <a:buFont typeface="Wingdings" panose="05000000000000000000" pitchFamily="2" charset="2"/>
+                <a:buNone/>
+              </a:pPr>
+              <a:endParaRPr lang="en-IN" sz="1400" kern="1200" dirty="0"/>
+            </a:p>
+            <a:p>
               <a:pPr marL="171450" lvl="1" indent="-171450" algn="l" defTabSz="800100">
                 <a:lnSpc>
                   <a:spcPct val="90000"/>
@@ -7986,7 +8089,7 @@
           </p:nvSpPr>
           <p:spPr>
             <a:xfrm>
-              <a:off x="1109703" y="2866713"/>
+              <a:off x="1109703" y="2990898"/>
               <a:ext cx="3801054" cy="501840"/>
             </a:xfrm>
             <a:custGeom>
@@ -8139,6 +8242,2317 @@
           </p:txBody>
         </p:sp>
       </p:grpSp>
+      <p:sp>
+        <p:nvSpPr>
+          <p:cNvPr id="21" name="Slide Number Placeholder 20">
+            <a:extLst>
+              <a:ext uri="{FF2B5EF4-FFF2-40B4-BE49-F238E27FC236}">
+                <a16:creationId xmlns:a16="http://schemas.microsoft.com/office/drawing/2014/main" id="{BAC9756A-D3C1-4D4E-B7F1-F1C9AAF3E9E1}"/>
+              </a:ext>
+            </a:extLst>
+          </p:cNvPr>
+          <p:cNvSpPr>
+            <a:spLocks noGrp="1"/>
+          </p:cNvSpPr>
+          <p:nvPr>
+            <p:ph type="sldNum" sz="quarter" idx="12"/>
+          </p:nvPr>
+        </p:nvSpPr>
+        <p:spPr>
+          <a:xfrm>
+            <a:off x="9448800" y="6516677"/>
+            <a:ext cx="2743200" cy="365125"/>
+          </a:xfrm>
+        </p:spPr>
+        <p:txBody>
+          <a:bodyPr/>
+          <a:lstStyle/>
+          <a:p>
+            <a:fld id="{0252BDE4-267E-408A-8E9B-97A99B817732}" type="slidenum">
+              <a:rPr lang="en-IN" smtClean="0"/>
+              <a:t>3</a:t>
+            </a:fld>
+            <a:endParaRPr lang="en-IN" dirty="0"/>
+          </a:p>
+        </p:txBody>
+      </p:sp>
+      <p:sp>
+        <p:nvSpPr>
+          <p:cNvPr id="22" name="Title 1">
+            <a:extLst>
+              <a:ext uri="{FF2B5EF4-FFF2-40B4-BE49-F238E27FC236}">
+                <a16:creationId xmlns:a16="http://schemas.microsoft.com/office/drawing/2014/main" id="{6B41A8F9-728A-4AFE-BE5C-73C7E033BC58}"/>
+              </a:ext>
+            </a:extLst>
+          </p:cNvPr>
+          <p:cNvSpPr>
+            <a:spLocks noGrp="1"/>
+          </p:cNvSpPr>
+          <p:nvPr>
+            <p:ph type="title"/>
+          </p:nvPr>
+        </p:nvSpPr>
+        <p:spPr>
+          <a:xfrm>
+            <a:off x="838200" y="234500"/>
+            <a:ext cx="10515600" cy="549274"/>
+          </a:xfrm>
+          <a:ln>
+            <a:solidFill>
+              <a:schemeClr val="tx1"/>
+            </a:solidFill>
+          </a:ln>
+        </p:spPr>
+        <p:txBody>
+          <a:bodyPr>
+            <a:normAutofit fontScale="90000"/>
+          </a:bodyPr>
+          <a:lstStyle/>
+          <a:p>
+            <a:r>
+              <a:rPr lang="en-IN" sz="4000" b="1" dirty="0">
+                <a:solidFill>
+                  <a:schemeClr val="accent1"/>
+                </a:solidFill>
+              </a:rPr>
+              <a:t>Data (1/3)</a:t>
+            </a:r>
+          </a:p>
+        </p:txBody>
+      </p:sp>
+    </p:spTree>
+    <p:extLst>
+      <p:ext uri="{BB962C8B-B14F-4D97-AF65-F5344CB8AC3E}">
+        <p14:creationId xmlns:p14="http://schemas.microsoft.com/office/powerpoint/2010/main" val="2262677852"/>
+      </p:ext>
+    </p:extLst>
+  </p:cSld>
+  <p:clrMapOvr>
+    <a:masterClrMapping/>
+  </p:clrMapOvr>
+</p:sld>
+</file>
+
+<file path=ppt/slides/slide4.xml><?xml version="1.0" encoding="utf-8"?>
+<p:sld xmlns:a="http://schemas.openxmlformats.org/drawingml/2006/main" xmlns:r="http://schemas.openxmlformats.org/officeDocument/2006/relationships" xmlns:p="http://schemas.openxmlformats.org/presentationml/2006/main">
+  <p:cSld>
+    <p:spTree>
+      <p:nvGrpSpPr>
+        <p:cNvPr id="1" name=""/>
+        <p:cNvGrpSpPr/>
+        <p:nvPr/>
+      </p:nvGrpSpPr>
+      <p:grpSpPr>
+        <a:xfrm>
+          <a:off x="0" y="0"/>
+          <a:ext cx="0" cy="0"/>
+          <a:chOff x="0" y="0"/>
+          <a:chExt cx="0" cy="0"/>
+        </a:xfrm>
+      </p:grpSpPr>
+      <p:sp>
+        <p:nvSpPr>
+          <p:cNvPr id="5" name="Slide Number Placeholder 4">
+            <a:extLst>
+              <a:ext uri="{FF2B5EF4-FFF2-40B4-BE49-F238E27FC236}">
+                <a16:creationId xmlns:a16="http://schemas.microsoft.com/office/drawing/2014/main" id="{12BED3AA-B432-4CDA-9FD9-832EE0BE8D9A}"/>
+              </a:ext>
+            </a:extLst>
+          </p:cNvPr>
+          <p:cNvSpPr>
+            <a:spLocks noGrp="1"/>
+          </p:cNvSpPr>
+          <p:nvPr>
+            <p:ph type="sldNum" sz="quarter" idx="12"/>
+          </p:nvPr>
+        </p:nvSpPr>
+        <p:spPr>
+          <a:xfrm>
+            <a:off x="9448800" y="6445798"/>
+            <a:ext cx="2743200" cy="365125"/>
+          </a:xfrm>
+        </p:spPr>
+        <p:txBody>
+          <a:bodyPr/>
+          <a:lstStyle/>
+          <a:p>
+            <a:fld id="{0252BDE4-267E-408A-8E9B-97A99B817732}" type="slidenum">
+              <a:rPr lang="en-IN" smtClean="0"/>
+              <a:t>4</a:t>
+            </a:fld>
+            <a:endParaRPr lang="en-IN" dirty="0"/>
+          </a:p>
+        </p:txBody>
+      </p:sp>
+      <p:grpSp>
+        <p:nvGrpSpPr>
+          <p:cNvPr id="7" name="Group 6">
+            <a:extLst>
+              <a:ext uri="{FF2B5EF4-FFF2-40B4-BE49-F238E27FC236}">
+                <a16:creationId xmlns:a16="http://schemas.microsoft.com/office/drawing/2014/main" id="{4DDEA402-F6BC-4B31-B5A7-042622241A51}"/>
+              </a:ext>
+            </a:extLst>
+          </p:cNvPr>
+          <p:cNvGrpSpPr/>
+          <p:nvPr/>
+        </p:nvGrpSpPr>
+        <p:grpSpPr>
+          <a:xfrm>
+            <a:off x="838200" y="914400"/>
+            <a:ext cx="4604658" cy="5896523"/>
+            <a:chOff x="838200" y="1347790"/>
+            <a:chExt cx="5430078" cy="3365565"/>
+          </a:xfrm>
+        </p:grpSpPr>
+        <p:sp>
+          <p:nvSpPr>
+            <p:cNvPr id="8" name="Freeform: Shape 7">
+              <a:extLst>
+                <a:ext uri="{FF2B5EF4-FFF2-40B4-BE49-F238E27FC236}">
+                  <a16:creationId xmlns:a16="http://schemas.microsoft.com/office/drawing/2014/main" id="{A3C7B3E8-FE72-4736-8BBC-CA23E45CC5C8}"/>
+                </a:ext>
+              </a:extLst>
+            </p:cNvPr>
+            <p:cNvSpPr/>
+            <p:nvPr/>
+          </p:nvSpPr>
+          <p:spPr>
+            <a:xfrm>
+              <a:off x="838200" y="1572206"/>
+              <a:ext cx="5430078" cy="3141149"/>
+            </a:xfrm>
+            <a:custGeom>
+              <a:avLst/>
+              <a:gdLst>
+                <a:gd name="connsiteX0" fmla="*/ 0 w 5430078"/>
+                <a:gd name="connsiteY0" fmla="*/ 0 h 990675"/>
+                <a:gd name="connsiteX1" fmla="*/ 5430078 w 5430078"/>
+                <a:gd name="connsiteY1" fmla="*/ 0 h 990675"/>
+                <a:gd name="connsiteX2" fmla="*/ 5430078 w 5430078"/>
+                <a:gd name="connsiteY2" fmla="*/ 990675 h 990675"/>
+                <a:gd name="connsiteX3" fmla="*/ 0 w 5430078"/>
+                <a:gd name="connsiteY3" fmla="*/ 990675 h 990675"/>
+                <a:gd name="connsiteX4" fmla="*/ 0 w 5430078"/>
+                <a:gd name="connsiteY4" fmla="*/ 0 h 990675"/>
+              </a:gdLst>
+              <a:ahLst/>
+              <a:cxnLst>
+                <a:cxn ang="0">
+                  <a:pos x="connsiteX0" y="connsiteY0"/>
+                </a:cxn>
+                <a:cxn ang="0">
+                  <a:pos x="connsiteX1" y="connsiteY1"/>
+                </a:cxn>
+                <a:cxn ang="0">
+                  <a:pos x="connsiteX2" y="connsiteY2"/>
+                </a:cxn>
+                <a:cxn ang="0">
+                  <a:pos x="connsiteX3" y="connsiteY3"/>
+                </a:cxn>
+                <a:cxn ang="0">
+                  <a:pos x="connsiteX4" y="connsiteY4"/>
+                </a:cxn>
+              </a:cxnLst>
+              <a:rect l="l" t="t" r="r" b="b"/>
+              <a:pathLst>
+                <a:path w="5430078" h="990675">
+                  <a:moveTo>
+                    <a:pt x="0" y="0"/>
+                  </a:moveTo>
+                  <a:lnTo>
+                    <a:pt x="5430078" y="0"/>
+                  </a:lnTo>
+                  <a:lnTo>
+                    <a:pt x="5430078" y="990675"/>
+                  </a:lnTo>
+                  <a:lnTo>
+                    <a:pt x="0" y="990675"/>
+                  </a:lnTo>
+                  <a:lnTo>
+                    <a:pt x="0" y="0"/>
+                  </a:lnTo>
+                  <a:close/>
+                </a:path>
+              </a:pathLst>
+            </a:custGeom>
+          </p:spPr>
+          <p:style>
+            <a:lnRef idx="2">
+              <a:schemeClr val="accent1">
+                <a:hueOff val="0"/>
+                <a:satOff val="0"/>
+                <a:lumOff val="0"/>
+                <a:alphaOff val="0"/>
+              </a:schemeClr>
+            </a:lnRef>
+            <a:fillRef idx="1">
+              <a:schemeClr val="lt1">
+                <a:alpha val="90000"/>
+                <a:hueOff val="0"/>
+                <a:satOff val="0"/>
+                <a:lumOff val="0"/>
+                <a:alphaOff val="0"/>
+              </a:schemeClr>
+            </a:fillRef>
+            <a:effectRef idx="0">
+              <a:schemeClr val="lt1">
+                <a:alpha val="90000"/>
+                <a:hueOff val="0"/>
+                <a:satOff val="0"/>
+                <a:lumOff val="0"/>
+                <a:alphaOff val="0"/>
+              </a:schemeClr>
+            </a:effectRef>
+            <a:fontRef idx="minor">
+              <a:schemeClr val="dk1">
+                <a:hueOff val="0"/>
+                <a:satOff val="0"/>
+                <a:lumOff val="0"/>
+                <a:alphaOff val="0"/>
+              </a:schemeClr>
+            </a:fontRef>
+          </p:style>
+          <p:txBody>
+            <a:bodyPr spcFirstLastPara="0" vert="horz" wrap="square" lIns="421434" tIns="354076" rIns="421434" bIns="120904" numCol="1" spcCol="1270" anchor="t" anchorCtr="0">
+              <a:noAutofit/>
+            </a:bodyPr>
+            <a:lstStyle/>
+            <a:p>
+              <a:pPr marL="0" lvl="1" defTabSz="755650">
+                <a:lnSpc>
+                  <a:spcPct val="90000"/>
+                </a:lnSpc>
+                <a:spcBef>
+                  <a:spcPct val="0"/>
+                </a:spcBef>
+                <a:spcAft>
+                  <a:spcPct val="15000"/>
+                </a:spcAft>
+              </a:pPr>
+              <a:endParaRPr lang="en-IN" sz="200" b="1" dirty="0"/>
+            </a:p>
+            <a:p>
+              <a:pPr marL="0" lvl="1" defTabSz="755650">
+                <a:lnSpc>
+                  <a:spcPct val="90000"/>
+                </a:lnSpc>
+                <a:spcBef>
+                  <a:spcPct val="0"/>
+                </a:spcBef>
+                <a:spcAft>
+                  <a:spcPct val="15000"/>
+                </a:spcAft>
+              </a:pPr>
+              <a:r>
+                <a:rPr lang="en-IN" sz="1600" b="1" dirty="0"/>
+                <a:t>Traffic Collision History</a:t>
+              </a:r>
+            </a:p>
+            <a:p>
+              <a:pPr marL="171450" lvl="1" indent="-171450" defTabSz="755650">
+                <a:lnSpc>
+                  <a:spcPct val="90000"/>
+                </a:lnSpc>
+                <a:spcBef>
+                  <a:spcPct val="0"/>
+                </a:spcBef>
+                <a:spcAft>
+                  <a:spcPct val="15000"/>
+                </a:spcAft>
+                <a:buChar char="•"/>
+              </a:pPr>
+              <a:r>
+                <a:rPr lang="en-IN" sz="1400" dirty="0"/>
+                <a:t>Dropped: Most columns like accident date, victim details along with rows outside LA city limits</a:t>
+              </a:r>
+            </a:p>
+            <a:p>
+              <a:pPr marL="171450" lvl="1" indent="-171450" defTabSz="755650">
+                <a:lnSpc>
+                  <a:spcPct val="90000"/>
+                </a:lnSpc>
+                <a:spcBef>
+                  <a:spcPct val="0"/>
+                </a:spcBef>
+                <a:spcAft>
+                  <a:spcPct val="15000"/>
+                </a:spcAft>
+                <a:buChar char="•"/>
+              </a:pPr>
+              <a:r>
+                <a:rPr lang="en-IN" sz="1400" dirty="0"/>
+                <a:t>Latitude and Longitude are extracted to separate columns from a single column in the raw data</a:t>
+              </a:r>
+            </a:p>
+            <a:p>
+              <a:pPr marL="0" lvl="1" defTabSz="755650">
+                <a:lnSpc>
+                  <a:spcPct val="90000"/>
+                </a:lnSpc>
+                <a:spcBef>
+                  <a:spcPct val="0"/>
+                </a:spcBef>
+                <a:spcAft>
+                  <a:spcPct val="15000"/>
+                </a:spcAft>
+              </a:pPr>
+              <a:endParaRPr lang="en-IN" sz="1600" dirty="0"/>
+            </a:p>
+            <a:p>
+              <a:pPr marL="0" lvl="1" defTabSz="755650">
+                <a:lnSpc>
+                  <a:spcPct val="90000"/>
+                </a:lnSpc>
+                <a:spcBef>
+                  <a:spcPct val="0"/>
+                </a:spcBef>
+                <a:spcAft>
+                  <a:spcPct val="15000"/>
+                </a:spcAft>
+              </a:pPr>
+              <a:r>
+                <a:rPr lang="en-IN" sz="1600" dirty="0"/>
+                <a:t> </a:t>
+              </a:r>
+              <a:r>
+                <a:rPr lang="en-IN" sz="1600" b="1" dirty="0"/>
+                <a:t>Hospital Locations</a:t>
+              </a:r>
+            </a:p>
+            <a:p>
+              <a:pPr marL="171450" lvl="1" indent="-171450" defTabSz="755650">
+                <a:lnSpc>
+                  <a:spcPct val="90000"/>
+                </a:lnSpc>
+                <a:spcBef>
+                  <a:spcPct val="0"/>
+                </a:spcBef>
+                <a:spcAft>
+                  <a:spcPct val="15000"/>
+                </a:spcAft>
+                <a:buChar char="•"/>
+              </a:pPr>
+              <a:r>
+                <a:rPr lang="en-IN" sz="1400" dirty="0"/>
+                <a:t>The city is divided into 8 search zones. Each search zone is a circle with radius 30 km. The centres of these search zones are set through trial and error using visual inspection of the map.</a:t>
+              </a:r>
+            </a:p>
+            <a:p>
+              <a:pPr marL="171450" lvl="1" indent="-171450" defTabSz="755650">
+                <a:lnSpc>
+                  <a:spcPct val="90000"/>
+                </a:lnSpc>
+                <a:spcBef>
+                  <a:spcPct val="0"/>
+                </a:spcBef>
+                <a:spcAft>
+                  <a:spcPct val="15000"/>
+                </a:spcAft>
+                <a:buChar char="•"/>
+              </a:pPr>
+              <a:r>
+                <a:rPr lang="en-IN" sz="1400" dirty="0"/>
+                <a:t>Foursquare API is used to browse for hospitals at each search zone. The API limits the results per zone to max 50.</a:t>
+              </a:r>
+            </a:p>
+            <a:p>
+              <a:pPr marL="171450" lvl="1" indent="-171450" defTabSz="755650">
+                <a:lnSpc>
+                  <a:spcPct val="90000"/>
+                </a:lnSpc>
+                <a:spcBef>
+                  <a:spcPct val="0"/>
+                </a:spcBef>
+                <a:spcAft>
+                  <a:spcPct val="15000"/>
+                </a:spcAft>
+                <a:buChar char="•"/>
+              </a:pPr>
+              <a:r>
+                <a:rPr lang="en-IN" sz="1400" dirty="0"/>
+                <a:t>The results from all the search zones are aggregated into a single hospital master table with removal of duplicates.</a:t>
+              </a:r>
+            </a:p>
+            <a:p>
+              <a:pPr marL="171450" lvl="1" indent="-171450" defTabSz="755650">
+                <a:lnSpc>
+                  <a:spcPct val="90000"/>
+                </a:lnSpc>
+                <a:spcBef>
+                  <a:spcPct val="0"/>
+                </a:spcBef>
+                <a:spcAft>
+                  <a:spcPct val="15000"/>
+                </a:spcAft>
+                <a:buChar char="•"/>
+              </a:pPr>
+              <a:r>
+                <a:rPr lang="en-IN" sz="1400" dirty="0"/>
+                <a:t>The public dataset lists hospitals from all cities in LA county. Hospitals missed out by API search are added to the master table using the public dataset, after limiting results to LA city.</a:t>
+              </a:r>
+            </a:p>
+            <a:p>
+              <a:pPr marL="0" lvl="1" defTabSz="755650">
+                <a:lnSpc>
+                  <a:spcPct val="90000"/>
+                </a:lnSpc>
+                <a:spcBef>
+                  <a:spcPct val="0"/>
+                </a:spcBef>
+                <a:spcAft>
+                  <a:spcPct val="15000"/>
+                </a:spcAft>
+              </a:pPr>
+              <a:endParaRPr lang="en-IN" sz="1600" dirty="0"/>
+            </a:p>
+            <a:p>
+              <a:pPr marL="171450" lvl="1" indent="-171450" defTabSz="755650">
+                <a:lnSpc>
+                  <a:spcPct val="90000"/>
+                </a:lnSpc>
+                <a:spcBef>
+                  <a:spcPct val="0"/>
+                </a:spcBef>
+                <a:spcAft>
+                  <a:spcPct val="15000"/>
+                </a:spcAft>
+                <a:buChar char="•"/>
+              </a:pPr>
+              <a:endParaRPr lang="en-IN" sz="1600" kern="1200" dirty="0"/>
+            </a:p>
+          </p:txBody>
+        </p:sp>
+        <p:sp>
+          <p:nvSpPr>
+            <p:cNvPr id="9" name="Freeform: Shape 8">
+              <a:extLst>
+                <a:ext uri="{FF2B5EF4-FFF2-40B4-BE49-F238E27FC236}">
+                  <a16:creationId xmlns:a16="http://schemas.microsoft.com/office/drawing/2014/main" id="{F61127E4-50DD-4A91-8E4D-267F1CE83FF5}"/>
+                </a:ext>
+              </a:extLst>
+            </p:cNvPr>
+            <p:cNvSpPr/>
+            <p:nvPr/>
+          </p:nvSpPr>
+          <p:spPr>
+            <a:xfrm>
+              <a:off x="1013900" y="1347790"/>
+              <a:ext cx="3801054" cy="391770"/>
+            </a:xfrm>
+            <a:custGeom>
+              <a:avLst/>
+              <a:gdLst>
+                <a:gd name="connsiteX0" fmla="*/ 0 w 3801054"/>
+                <a:gd name="connsiteY0" fmla="*/ 83642 h 501840"/>
+                <a:gd name="connsiteX1" fmla="*/ 83642 w 3801054"/>
+                <a:gd name="connsiteY1" fmla="*/ 0 h 501840"/>
+                <a:gd name="connsiteX2" fmla="*/ 3717412 w 3801054"/>
+                <a:gd name="connsiteY2" fmla="*/ 0 h 501840"/>
+                <a:gd name="connsiteX3" fmla="*/ 3801054 w 3801054"/>
+                <a:gd name="connsiteY3" fmla="*/ 83642 h 501840"/>
+                <a:gd name="connsiteX4" fmla="*/ 3801054 w 3801054"/>
+                <a:gd name="connsiteY4" fmla="*/ 418198 h 501840"/>
+                <a:gd name="connsiteX5" fmla="*/ 3717412 w 3801054"/>
+                <a:gd name="connsiteY5" fmla="*/ 501840 h 501840"/>
+                <a:gd name="connsiteX6" fmla="*/ 83642 w 3801054"/>
+                <a:gd name="connsiteY6" fmla="*/ 501840 h 501840"/>
+                <a:gd name="connsiteX7" fmla="*/ 0 w 3801054"/>
+                <a:gd name="connsiteY7" fmla="*/ 418198 h 501840"/>
+                <a:gd name="connsiteX8" fmla="*/ 0 w 3801054"/>
+                <a:gd name="connsiteY8" fmla="*/ 83642 h 501840"/>
+              </a:gdLst>
+              <a:ahLst/>
+              <a:cxnLst>
+                <a:cxn ang="0">
+                  <a:pos x="connsiteX0" y="connsiteY0"/>
+                </a:cxn>
+                <a:cxn ang="0">
+                  <a:pos x="connsiteX1" y="connsiteY1"/>
+                </a:cxn>
+                <a:cxn ang="0">
+                  <a:pos x="connsiteX2" y="connsiteY2"/>
+                </a:cxn>
+                <a:cxn ang="0">
+                  <a:pos x="connsiteX3" y="connsiteY3"/>
+                </a:cxn>
+                <a:cxn ang="0">
+                  <a:pos x="connsiteX4" y="connsiteY4"/>
+                </a:cxn>
+                <a:cxn ang="0">
+                  <a:pos x="connsiteX5" y="connsiteY5"/>
+                </a:cxn>
+                <a:cxn ang="0">
+                  <a:pos x="connsiteX6" y="connsiteY6"/>
+                </a:cxn>
+                <a:cxn ang="0">
+                  <a:pos x="connsiteX7" y="connsiteY7"/>
+                </a:cxn>
+                <a:cxn ang="0">
+                  <a:pos x="connsiteX8" y="connsiteY8"/>
+                </a:cxn>
+              </a:cxnLst>
+              <a:rect l="l" t="t" r="r" b="b"/>
+              <a:pathLst>
+                <a:path w="3801054" h="501840">
+                  <a:moveTo>
+                    <a:pt x="0" y="83642"/>
+                  </a:moveTo>
+                  <a:cubicBezTo>
+                    <a:pt x="0" y="37448"/>
+                    <a:pt x="37448" y="0"/>
+                    <a:pt x="83642" y="0"/>
+                  </a:cubicBezTo>
+                  <a:lnTo>
+                    <a:pt x="3717412" y="0"/>
+                  </a:lnTo>
+                  <a:cubicBezTo>
+                    <a:pt x="3763606" y="0"/>
+                    <a:pt x="3801054" y="37448"/>
+                    <a:pt x="3801054" y="83642"/>
+                  </a:cubicBezTo>
+                  <a:lnTo>
+                    <a:pt x="3801054" y="418198"/>
+                  </a:lnTo>
+                  <a:cubicBezTo>
+                    <a:pt x="3801054" y="464392"/>
+                    <a:pt x="3763606" y="501840"/>
+                    <a:pt x="3717412" y="501840"/>
+                  </a:cubicBezTo>
+                  <a:lnTo>
+                    <a:pt x="83642" y="501840"/>
+                  </a:lnTo>
+                  <a:cubicBezTo>
+                    <a:pt x="37448" y="501840"/>
+                    <a:pt x="0" y="464392"/>
+                    <a:pt x="0" y="418198"/>
+                  </a:cubicBezTo>
+                  <a:lnTo>
+                    <a:pt x="0" y="83642"/>
+                  </a:lnTo>
+                  <a:close/>
+                </a:path>
+              </a:pathLst>
+            </a:custGeom>
+          </p:spPr>
+          <p:style>
+            <a:lnRef idx="2">
+              <a:schemeClr val="lt1">
+                <a:hueOff val="0"/>
+                <a:satOff val="0"/>
+                <a:lumOff val="0"/>
+                <a:alphaOff val="0"/>
+              </a:schemeClr>
+            </a:lnRef>
+            <a:fillRef idx="1">
+              <a:schemeClr val="accent1">
+                <a:hueOff val="0"/>
+                <a:satOff val="0"/>
+                <a:lumOff val="0"/>
+                <a:alphaOff val="0"/>
+              </a:schemeClr>
+            </a:fillRef>
+            <a:effectRef idx="0">
+              <a:schemeClr val="accent1">
+                <a:hueOff val="0"/>
+                <a:satOff val="0"/>
+                <a:lumOff val="0"/>
+                <a:alphaOff val="0"/>
+              </a:schemeClr>
+            </a:effectRef>
+            <a:fontRef idx="minor">
+              <a:schemeClr val="lt1"/>
+            </a:fontRef>
+          </p:style>
+          <p:txBody>
+            <a:bodyPr spcFirstLastPara="0" vert="horz" wrap="square" lIns="168169" tIns="24498" rIns="168169" bIns="24498" numCol="1" spcCol="1270" anchor="ctr" anchorCtr="0">
+              <a:noAutofit/>
+            </a:bodyPr>
+            <a:lstStyle/>
+            <a:p>
+              <a:pPr marL="0" lvl="0" indent="0" algn="l" defTabSz="755650">
+                <a:lnSpc>
+                  <a:spcPct val="90000"/>
+                </a:lnSpc>
+                <a:spcBef>
+                  <a:spcPct val="0"/>
+                </a:spcBef>
+                <a:spcAft>
+                  <a:spcPct val="35000"/>
+                </a:spcAft>
+                <a:buNone/>
+              </a:pPr>
+              <a:r>
+                <a:rPr lang="en-IN" sz="1700" kern="1200" dirty="0"/>
+                <a:t>Data </a:t>
+              </a:r>
+              <a:r>
+                <a:rPr lang="en-IN" sz="1700" dirty="0"/>
+                <a:t>Processing</a:t>
+              </a:r>
+              <a:r>
+                <a:rPr lang="en-IN" sz="1700" kern="1200" dirty="0"/>
+                <a:t> Methodology</a:t>
+              </a:r>
+            </a:p>
+          </p:txBody>
+        </p:sp>
+      </p:grpSp>
+      <p:sp>
+        <p:nvSpPr>
+          <p:cNvPr id="3" name="Rectangle 2">
+            <a:extLst>
+              <a:ext uri="{FF2B5EF4-FFF2-40B4-BE49-F238E27FC236}">
+                <a16:creationId xmlns:a16="http://schemas.microsoft.com/office/drawing/2014/main" id="{AE6CBC17-CB6A-4339-AA2C-18B8044FD415}"/>
+              </a:ext>
+            </a:extLst>
+          </p:cNvPr>
+          <p:cNvSpPr/>
+          <p:nvPr/>
+        </p:nvSpPr>
+        <p:spPr>
+          <a:xfrm>
+            <a:off x="10381343" y="1502231"/>
+            <a:ext cx="972457" cy="696681"/>
+          </a:xfrm>
+          <a:prstGeom prst="rect">
+            <a:avLst/>
+          </a:prstGeom>
+        </p:spPr>
+        <p:style>
+          <a:lnRef idx="2">
+            <a:schemeClr val="accent1">
+              <a:shade val="50000"/>
+            </a:schemeClr>
+          </a:lnRef>
+          <a:fillRef idx="1">
+            <a:schemeClr val="accent1"/>
+          </a:fillRef>
+          <a:effectRef idx="0">
+            <a:schemeClr val="accent1"/>
+          </a:effectRef>
+          <a:fontRef idx="minor">
+            <a:schemeClr val="lt1"/>
+          </a:fontRef>
+        </p:style>
+        <p:txBody>
+          <a:bodyPr rtlCol="0" anchor="ctr"/>
+          <a:lstStyle/>
+          <a:p>
+            <a:pPr algn="ctr"/>
+            <a:r>
+              <a:rPr lang="en-IN" dirty="0"/>
+              <a:t>Final</a:t>
+            </a:r>
+          </a:p>
+        </p:txBody>
+      </p:sp>
+      <p:sp>
+        <p:nvSpPr>
+          <p:cNvPr id="4" name="Cylinder 3">
+            <a:extLst>
+              <a:ext uri="{FF2B5EF4-FFF2-40B4-BE49-F238E27FC236}">
+                <a16:creationId xmlns:a16="http://schemas.microsoft.com/office/drawing/2014/main" id="{60866BE4-3D8A-45F7-B235-896ED72C8447}"/>
+              </a:ext>
+            </a:extLst>
+          </p:cNvPr>
+          <p:cNvSpPr/>
+          <p:nvPr/>
+        </p:nvSpPr>
+        <p:spPr>
+          <a:xfrm>
+            <a:off x="5939973" y="1487718"/>
+            <a:ext cx="765628" cy="764975"/>
+          </a:xfrm>
+          <a:prstGeom prst="can">
+            <a:avLst/>
+          </a:prstGeom>
+        </p:spPr>
+        <p:style>
+          <a:lnRef idx="2">
+            <a:schemeClr val="accent1">
+              <a:shade val="50000"/>
+            </a:schemeClr>
+          </a:lnRef>
+          <a:fillRef idx="1">
+            <a:schemeClr val="accent1"/>
+          </a:fillRef>
+          <a:effectRef idx="0">
+            <a:schemeClr val="accent1"/>
+          </a:effectRef>
+          <a:fontRef idx="minor">
+            <a:schemeClr val="lt1"/>
+          </a:fontRef>
+        </p:style>
+        <p:txBody>
+          <a:bodyPr rtlCol="0" anchor="ctr"/>
+          <a:lstStyle/>
+          <a:p>
+            <a:pPr algn="ctr"/>
+            <a:r>
+              <a:rPr lang="en-IN" dirty="0"/>
+              <a:t>Raw</a:t>
+            </a:r>
+          </a:p>
+        </p:txBody>
+      </p:sp>
+      <p:cxnSp>
+        <p:nvCxnSpPr>
+          <p:cNvPr id="10" name="Straight Arrow Connector 9">
+            <a:extLst>
+              <a:ext uri="{FF2B5EF4-FFF2-40B4-BE49-F238E27FC236}">
+                <a16:creationId xmlns:a16="http://schemas.microsoft.com/office/drawing/2014/main" id="{575B55DD-A05C-4057-8E67-12AA67C08CE4}"/>
+              </a:ext>
+            </a:extLst>
+          </p:cNvPr>
+          <p:cNvCxnSpPr>
+            <a:cxnSpLocks/>
+          </p:cNvCxnSpPr>
+          <p:nvPr/>
+        </p:nvCxnSpPr>
+        <p:spPr>
+          <a:xfrm>
+            <a:off x="6865257" y="1741721"/>
+            <a:ext cx="3381829" cy="0"/>
+          </a:xfrm>
+          <a:prstGeom prst="straightConnector1">
+            <a:avLst/>
+          </a:prstGeom>
+          <a:ln>
+            <a:tailEnd type="triangle"/>
+          </a:ln>
+        </p:spPr>
+        <p:style>
+          <a:lnRef idx="1">
+            <a:schemeClr val="accent1"/>
+          </a:lnRef>
+          <a:fillRef idx="0">
+            <a:schemeClr val="accent1"/>
+          </a:fillRef>
+          <a:effectRef idx="0">
+            <a:schemeClr val="accent1"/>
+          </a:effectRef>
+          <a:fontRef idx="minor">
+            <a:schemeClr val="tx1"/>
+          </a:fontRef>
+        </p:style>
+      </p:cxnSp>
+      <p:sp>
+        <p:nvSpPr>
+          <p:cNvPr id="12" name="Rectangle 11">
+            <a:extLst>
+              <a:ext uri="{FF2B5EF4-FFF2-40B4-BE49-F238E27FC236}">
+                <a16:creationId xmlns:a16="http://schemas.microsoft.com/office/drawing/2014/main" id="{CA543538-CC0C-4BC1-B119-3756D4D93C36}"/>
+              </a:ext>
+            </a:extLst>
+          </p:cNvPr>
+          <p:cNvSpPr/>
+          <p:nvPr/>
+        </p:nvSpPr>
+        <p:spPr>
+          <a:xfrm>
+            <a:off x="7487736" y="869924"/>
+            <a:ext cx="2136867" cy="313932"/>
+          </a:xfrm>
+          <a:prstGeom prst="rect">
+            <a:avLst/>
+          </a:prstGeom>
+          <a:ln>
+            <a:solidFill>
+              <a:schemeClr val="tx1"/>
+            </a:solidFill>
+          </a:ln>
+        </p:spPr>
+        <p:txBody>
+          <a:bodyPr wrap="none">
+            <a:spAutoFit/>
+          </a:bodyPr>
+          <a:lstStyle/>
+          <a:p>
+            <a:pPr marL="0" lvl="1" defTabSz="755650">
+              <a:lnSpc>
+                <a:spcPct val="90000"/>
+              </a:lnSpc>
+              <a:spcBef>
+                <a:spcPct val="0"/>
+              </a:spcBef>
+              <a:spcAft>
+                <a:spcPct val="15000"/>
+              </a:spcAft>
+            </a:pPr>
+            <a:r>
+              <a:rPr lang="en-IN" sz="1600" b="1" dirty="0"/>
+              <a:t>Traffic Collision History</a:t>
+            </a:r>
+          </a:p>
+        </p:txBody>
+      </p:sp>
+      <p:sp>
+        <p:nvSpPr>
+          <p:cNvPr id="13" name="TextBox 12">
+            <a:extLst>
+              <a:ext uri="{FF2B5EF4-FFF2-40B4-BE49-F238E27FC236}">
+                <a16:creationId xmlns:a16="http://schemas.microsoft.com/office/drawing/2014/main" id="{A94F6690-0BC6-456C-B35F-95C7FA3B80D2}"/>
+              </a:ext>
+            </a:extLst>
+          </p:cNvPr>
+          <p:cNvSpPr txBox="1"/>
+          <p:nvPr/>
+        </p:nvSpPr>
+        <p:spPr>
+          <a:xfrm>
+            <a:off x="6821715" y="1357090"/>
+            <a:ext cx="3062513" cy="461665"/>
+          </a:xfrm>
+          <a:prstGeom prst="rect">
+            <a:avLst/>
+          </a:prstGeom>
+          <a:noFill/>
+        </p:spPr>
+        <p:txBody>
+          <a:bodyPr wrap="square" rtlCol="0">
+            <a:spAutoFit/>
+          </a:bodyPr>
+          <a:lstStyle/>
+          <a:p>
+            <a:r>
+              <a:rPr lang="en-IN" sz="1200" b="1" dirty="0"/>
+              <a:t>Dropped columns</a:t>
+            </a:r>
+            <a:r>
+              <a:rPr lang="en-IN" sz="1200" dirty="0"/>
+              <a:t>: Dates, Victim Info, Crime  Code, MO Codes, Premise Code etc.  </a:t>
+            </a:r>
+          </a:p>
+        </p:txBody>
+      </p:sp>
+      <p:sp>
+        <p:nvSpPr>
+          <p:cNvPr id="14" name="TextBox 13">
+            <a:extLst>
+              <a:ext uri="{FF2B5EF4-FFF2-40B4-BE49-F238E27FC236}">
+                <a16:creationId xmlns:a16="http://schemas.microsoft.com/office/drawing/2014/main" id="{1A0BA5C4-D6C7-4368-A9E8-C173390AFB6C}"/>
+              </a:ext>
+            </a:extLst>
+          </p:cNvPr>
+          <p:cNvSpPr txBox="1"/>
+          <p:nvPr/>
+        </p:nvSpPr>
+        <p:spPr>
+          <a:xfrm>
+            <a:off x="6843488" y="1799778"/>
+            <a:ext cx="3062513" cy="276999"/>
+          </a:xfrm>
+          <a:prstGeom prst="rect">
+            <a:avLst/>
+          </a:prstGeom>
+          <a:noFill/>
+        </p:spPr>
+        <p:txBody>
+          <a:bodyPr wrap="square" rtlCol="0">
+            <a:spAutoFit/>
+          </a:bodyPr>
+          <a:lstStyle/>
+          <a:p>
+            <a:r>
+              <a:rPr lang="en-IN" sz="1200" b="1" dirty="0"/>
+              <a:t>Dropped rows</a:t>
+            </a:r>
+            <a:r>
+              <a:rPr lang="en-IN" sz="1200" dirty="0"/>
+              <a:t>: Outliers outside city limits</a:t>
+            </a:r>
+          </a:p>
+        </p:txBody>
+      </p:sp>
+      <p:sp>
+        <p:nvSpPr>
+          <p:cNvPr id="15" name="TextBox 14">
+            <a:extLst>
+              <a:ext uri="{FF2B5EF4-FFF2-40B4-BE49-F238E27FC236}">
+                <a16:creationId xmlns:a16="http://schemas.microsoft.com/office/drawing/2014/main" id="{D3D16DDE-A36A-404D-83D3-D64D92348AB9}"/>
+              </a:ext>
+            </a:extLst>
+          </p:cNvPr>
+          <p:cNvSpPr txBox="1"/>
+          <p:nvPr/>
+        </p:nvSpPr>
+        <p:spPr>
+          <a:xfrm>
+            <a:off x="6836233" y="2155376"/>
+            <a:ext cx="3062513" cy="461665"/>
+          </a:xfrm>
+          <a:prstGeom prst="rect">
+            <a:avLst/>
+          </a:prstGeom>
+          <a:noFill/>
+        </p:spPr>
+        <p:txBody>
+          <a:bodyPr wrap="square" rtlCol="0">
+            <a:spAutoFit/>
+          </a:bodyPr>
+          <a:lstStyle/>
+          <a:p>
+            <a:r>
+              <a:rPr lang="en-IN" sz="1200" b="1" dirty="0"/>
+              <a:t>Feature Extraction</a:t>
+            </a:r>
+            <a:r>
+              <a:rPr lang="en-IN" sz="1200" dirty="0"/>
+              <a:t>: Extract separate ‘Lat’ and ‘Long’ columns from single ‘Location’ column </a:t>
+            </a:r>
+          </a:p>
+        </p:txBody>
+      </p:sp>
+      <p:sp>
+        <p:nvSpPr>
+          <p:cNvPr id="16" name="Oval 15">
+            <a:extLst>
+              <a:ext uri="{FF2B5EF4-FFF2-40B4-BE49-F238E27FC236}">
+                <a16:creationId xmlns:a16="http://schemas.microsoft.com/office/drawing/2014/main" id="{B57605FA-5165-4ADB-9F86-2B4F45DA9622}"/>
+              </a:ext>
+            </a:extLst>
+          </p:cNvPr>
+          <p:cNvSpPr/>
+          <p:nvPr/>
+        </p:nvSpPr>
+        <p:spPr>
+          <a:xfrm>
+            <a:off x="6096000" y="4484911"/>
+            <a:ext cx="507999" cy="493486"/>
+          </a:xfrm>
+          <a:prstGeom prst="ellipse">
+            <a:avLst/>
+          </a:prstGeom>
+        </p:spPr>
+        <p:style>
+          <a:lnRef idx="2">
+            <a:schemeClr val="accent1">
+              <a:shade val="50000"/>
+            </a:schemeClr>
+          </a:lnRef>
+          <a:fillRef idx="1">
+            <a:schemeClr val="accent1"/>
+          </a:fillRef>
+          <a:effectRef idx="0">
+            <a:schemeClr val="accent1"/>
+          </a:effectRef>
+          <a:fontRef idx="minor">
+            <a:schemeClr val="lt1"/>
+          </a:fontRef>
+        </p:style>
+        <p:txBody>
+          <a:bodyPr rtlCol="0" anchor="ctr"/>
+          <a:lstStyle/>
+          <a:p>
+            <a:pPr algn="ctr"/>
+            <a:endParaRPr lang="en-IN" sz="1400" dirty="0"/>
+          </a:p>
+        </p:txBody>
+      </p:sp>
+      <p:sp>
+        <p:nvSpPr>
+          <p:cNvPr id="17" name="TextBox 16">
+            <a:extLst>
+              <a:ext uri="{FF2B5EF4-FFF2-40B4-BE49-F238E27FC236}">
+                <a16:creationId xmlns:a16="http://schemas.microsoft.com/office/drawing/2014/main" id="{E10D6812-1285-40E1-BCFA-A5B06C8DCEDE}"/>
+              </a:ext>
+            </a:extLst>
+          </p:cNvPr>
+          <p:cNvSpPr txBox="1"/>
+          <p:nvPr/>
+        </p:nvSpPr>
+        <p:spPr>
+          <a:xfrm>
+            <a:off x="6139541" y="4577765"/>
+            <a:ext cx="653144" cy="307777"/>
+          </a:xfrm>
+          <a:prstGeom prst="rect">
+            <a:avLst/>
+          </a:prstGeom>
+          <a:noFill/>
+        </p:spPr>
+        <p:txBody>
+          <a:bodyPr wrap="square" rtlCol="0">
+            <a:spAutoFit/>
+          </a:bodyPr>
+          <a:lstStyle/>
+          <a:p>
+            <a:r>
+              <a:rPr lang="en-IN" sz="1400" b="1" dirty="0">
+                <a:solidFill>
+                  <a:schemeClr val="bg1"/>
+                </a:solidFill>
+              </a:rPr>
+              <a:t>SZ1</a:t>
+            </a:r>
+          </a:p>
+        </p:txBody>
+      </p:sp>
+      <p:sp>
+        <p:nvSpPr>
+          <p:cNvPr id="19" name="Oval 18">
+            <a:extLst>
+              <a:ext uri="{FF2B5EF4-FFF2-40B4-BE49-F238E27FC236}">
+                <a16:creationId xmlns:a16="http://schemas.microsoft.com/office/drawing/2014/main" id="{EB6950AC-D0F6-4F32-8FDC-11F10D839586}"/>
+              </a:ext>
+            </a:extLst>
+          </p:cNvPr>
+          <p:cNvSpPr/>
+          <p:nvPr/>
+        </p:nvSpPr>
+        <p:spPr>
+          <a:xfrm>
+            <a:off x="6088744" y="5769425"/>
+            <a:ext cx="507999" cy="493486"/>
+          </a:xfrm>
+          <a:prstGeom prst="ellipse">
+            <a:avLst/>
+          </a:prstGeom>
+        </p:spPr>
+        <p:style>
+          <a:lnRef idx="2">
+            <a:schemeClr val="accent1">
+              <a:shade val="50000"/>
+            </a:schemeClr>
+          </a:lnRef>
+          <a:fillRef idx="1">
+            <a:schemeClr val="accent1"/>
+          </a:fillRef>
+          <a:effectRef idx="0">
+            <a:schemeClr val="accent1"/>
+          </a:effectRef>
+          <a:fontRef idx="minor">
+            <a:schemeClr val="lt1"/>
+          </a:fontRef>
+        </p:style>
+        <p:txBody>
+          <a:bodyPr rtlCol="0" anchor="ctr"/>
+          <a:lstStyle/>
+          <a:p>
+            <a:pPr algn="ctr"/>
+            <a:endParaRPr lang="en-IN" sz="1400" dirty="0"/>
+          </a:p>
+        </p:txBody>
+      </p:sp>
+      <p:sp>
+        <p:nvSpPr>
+          <p:cNvPr id="20" name="TextBox 19">
+            <a:extLst>
+              <a:ext uri="{FF2B5EF4-FFF2-40B4-BE49-F238E27FC236}">
+                <a16:creationId xmlns:a16="http://schemas.microsoft.com/office/drawing/2014/main" id="{5C0CEF9E-F81A-4F26-A9DB-F6A3C9AD82DA}"/>
+              </a:ext>
+            </a:extLst>
+          </p:cNvPr>
+          <p:cNvSpPr txBox="1"/>
+          <p:nvPr/>
+        </p:nvSpPr>
+        <p:spPr>
+          <a:xfrm>
+            <a:off x="6117771" y="5862279"/>
+            <a:ext cx="653144" cy="307777"/>
+          </a:xfrm>
+          <a:prstGeom prst="rect">
+            <a:avLst/>
+          </a:prstGeom>
+          <a:noFill/>
+        </p:spPr>
+        <p:txBody>
+          <a:bodyPr wrap="square" rtlCol="0">
+            <a:spAutoFit/>
+          </a:bodyPr>
+          <a:lstStyle/>
+          <a:p>
+            <a:r>
+              <a:rPr lang="en-IN" sz="1400" b="1" dirty="0">
+                <a:solidFill>
+                  <a:schemeClr val="bg1"/>
+                </a:solidFill>
+              </a:rPr>
+              <a:t>SZ8</a:t>
+            </a:r>
+          </a:p>
+        </p:txBody>
+      </p:sp>
+      <p:cxnSp>
+        <p:nvCxnSpPr>
+          <p:cNvPr id="22" name="Straight Connector 21">
+            <a:extLst>
+              <a:ext uri="{FF2B5EF4-FFF2-40B4-BE49-F238E27FC236}">
+                <a16:creationId xmlns:a16="http://schemas.microsoft.com/office/drawing/2014/main" id="{F7E88DAB-79BB-445A-85C4-4EC263C88C0B}"/>
+              </a:ext>
+            </a:extLst>
+          </p:cNvPr>
+          <p:cNvCxnSpPr/>
+          <p:nvPr/>
+        </p:nvCxnSpPr>
+        <p:spPr>
+          <a:xfrm>
+            <a:off x="6357257" y="5065485"/>
+            <a:ext cx="0" cy="616856"/>
+          </a:xfrm>
+          <a:prstGeom prst="line">
+            <a:avLst/>
+          </a:prstGeom>
+          <a:ln>
+            <a:prstDash val="dashDot"/>
+          </a:ln>
+        </p:spPr>
+        <p:style>
+          <a:lnRef idx="1">
+            <a:schemeClr val="accent1"/>
+          </a:lnRef>
+          <a:fillRef idx="0">
+            <a:schemeClr val="accent1"/>
+          </a:fillRef>
+          <a:effectRef idx="0">
+            <a:schemeClr val="accent1"/>
+          </a:effectRef>
+          <a:fontRef idx="minor">
+            <a:schemeClr val="tx1"/>
+          </a:fontRef>
+        </p:style>
+      </p:cxnSp>
+      <p:sp>
+        <p:nvSpPr>
+          <p:cNvPr id="25" name="Title 1">
+            <a:extLst>
+              <a:ext uri="{FF2B5EF4-FFF2-40B4-BE49-F238E27FC236}">
+                <a16:creationId xmlns:a16="http://schemas.microsoft.com/office/drawing/2014/main" id="{B6ED7261-2B2F-478E-9D0A-FE0B47CB0381}"/>
+              </a:ext>
+            </a:extLst>
+          </p:cNvPr>
+          <p:cNvSpPr>
+            <a:spLocks noGrp="1"/>
+          </p:cNvSpPr>
+          <p:nvPr>
+            <p:ph type="title"/>
+          </p:nvPr>
+        </p:nvSpPr>
+        <p:spPr>
+          <a:xfrm>
+            <a:off x="838200" y="234500"/>
+            <a:ext cx="10515600" cy="549274"/>
+          </a:xfrm>
+          <a:ln>
+            <a:solidFill>
+              <a:schemeClr val="tx1"/>
+            </a:solidFill>
+          </a:ln>
+        </p:spPr>
+        <p:txBody>
+          <a:bodyPr>
+            <a:normAutofit fontScale="90000"/>
+          </a:bodyPr>
+          <a:lstStyle/>
+          <a:p>
+            <a:r>
+              <a:rPr lang="en-IN" sz="4000" b="1" dirty="0">
+                <a:solidFill>
+                  <a:schemeClr val="accent1"/>
+                </a:solidFill>
+              </a:rPr>
+              <a:t>Data (2/3)</a:t>
+            </a:r>
+          </a:p>
+        </p:txBody>
+      </p:sp>
+      <p:sp>
+        <p:nvSpPr>
+          <p:cNvPr id="26" name="Rectangle 25">
+            <a:extLst>
+              <a:ext uri="{FF2B5EF4-FFF2-40B4-BE49-F238E27FC236}">
+                <a16:creationId xmlns:a16="http://schemas.microsoft.com/office/drawing/2014/main" id="{868EE2F6-9301-4459-A9B8-D389876C7E52}"/>
+              </a:ext>
+            </a:extLst>
+          </p:cNvPr>
+          <p:cNvSpPr/>
+          <p:nvPr/>
+        </p:nvSpPr>
+        <p:spPr>
+          <a:xfrm>
+            <a:off x="8069942" y="4885542"/>
+            <a:ext cx="972457" cy="696681"/>
+          </a:xfrm>
+          <a:prstGeom prst="rect">
+            <a:avLst/>
+          </a:prstGeom>
+        </p:spPr>
+        <p:style>
+          <a:lnRef idx="2">
+            <a:schemeClr val="accent1">
+              <a:shade val="50000"/>
+            </a:schemeClr>
+          </a:lnRef>
+          <a:fillRef idx="1">
+            <a:schemeClr val="accent1"/>
+          </a:fillRef>
+          <a:effectRef idx="0">
+            <a:schemeClr val="accent1"/>
+          </a:effectRef>
+          <a:fontRef idx="minor">
+            <a:schemeClr val="lt1"/>
+          </a:fontRef>
+        </p:style>
+        <p:txBody>
+          <a:bodyPr rtlCol="0" anchor="ctr"/>
+          <a:lstStyle/>
+          <a:p>
+            <a:pPr algn="ctr"/>
+            <a:r>
+              <a:rPr lang="en-IN" dirty="0"/>
+              <a:t>Master Table</a:t>
+            </a:r>
+          </a:p>
+        </p:txBody>
+      </p:sp>
+      <p:cxnSp>
+        <p:nvCxnSpPr>
+          <p:cNvPr id="27" name="Straight Arrow Connector 26">
+            <a:extLst>
+              <a:ext uri="{FF2B5EF4-FFF2-40B4-BE49-F238E27FC236}">
+                <a16:creationId xmlns:a16="http://schemas.microsoft.com/office/drawing/2014/main" id="{723B6AD3-3CF2-4949-8359-D807CC149211}"/>
+              </a:ext>
+            </a:extLst>
+          </p:cNvPr>
+          <p:cNvCxnSpPr>
+            <a:cxnSpLocks/>
+            <a:endCxn id="26" idx="1"/>
+          </p:cNvCxnSpPr>
+          <p:nvPr/>
+        </p:nvCxnSpPr>
+        <p:spPr>
+          <a:xfrm>
+            <a:off x="6544309" y="4731653"/>
+            <a:ext cx="1525633" cy="502230"/>
+          </a:xfrm>
+          <a:prstGeom prst="straightConnector1">
+            <a:avLst/>
+          </a:prstGeom>
+          <a:ln>
+            <a:tailEnd type="triangle"/>
+          </a:ln>
+        </p:spPr>
+        <p:style>
+          <a:lnRef idx="1">
+            <a:schemeClr val="accent1"/>
+          </a:lnRef>
+          <a:fillRef idx="0">
+            <a:schemeClr val="accent1"/>
+          </a:fillRef>
+          <a:effectRef idx="0">
+            <a:schemeClr val="accent1"/>
+          </a:effectRef>
+          <a:fontRef idx="minor">
+            <a:schemeClr val="tx1"/>
+          </a:fontRef>
+        </p:style>
+      </p:cxnSp>
+      <p:cxnSp>
+        <p:nvCxnSpPr>
+          <p:cNvPr id="29" name="Straight Arrow Connector 28">
+            <a:extLst>
+              <a:ext uri="{FF2B5EF4-FFF2-40B4-BE49-F238E27FC236}">
+                <a16:creationId xmlns:a16="http://schemas.microsoft.com/office/drawing/2014/main" id="{000DD63E-B107-4474-B90C-AE13C72433C3}"/>
+              </a:ext>
+            </a:extLst>
+          </p:cNvPr>
+          <p:cNvCxnSpPr>
+            <a:cxnSpLocks/>
+          </p:cNvCxnSpPr>
+          <p:nvPr/>
+        </p:nvCxnSpPr>
+        <p:spPr>
+          <a:xfrm>
+            <a:off x="6865257" y="2097314"/>
+            <a:ext cx="3381829" cy="0"/>
+          </a:xfrm>
+          <a:prstGeom prst="straightConnector1">
+            <a:avLst/>
+          </a:prstGeom>
+          <a:ln>
+            <a:tailEnd type="triangle"/>
+          </a:ln>
+        </p:spPr>
+        <p:style>
+          <a:lnRef idx="1">
+            <a:schemeClr val="accent1"/>
+          </a:lnRef>
+          <a:fillRef idx="0">
+            <a:schemeClr val="accent1"/>
+          </a:fillRef>
+          <a:effectRef idx="0">
+            <a:schemeClr val="accent1"/>
+          </a:effectRef>
+          <a:fontRef idx="minor">
+            <a:schemeClr val="tx1"/>
+          </a:fontRef>
+        </p:style>
+      </p:cxnSp>
+      <p:cxnSp>
+        <p:nvCxnSpPr>
+          <p:cNvPr id="31" name="Straight Arrow Connector 30">
+            <a:extLst>
+              <a:ext uri="{FF2B5EF4-FFF2-40B4-BE49-F238E27FC236}">
+                <a16:creationId xmlns:a16="http://schemas.microsoft.com/office/drawing/2014/main" id="{20B3E6EA-7135-47BC-87AB-E6EBF5EFBF18}"/>
+              </a:ext>
+            </a:extLst>
+          </p:cNvPr>
+          <p:cNvCxnSpPr>
+            <a:cxnSpLocks/>
+          </p:cNvCxnSpPr>
+          <p:nvPr/>
+        </p:nvCxnSpPr>
+        <p:spPr>
+          <a:xfrm flipV="1">
+            <a:off x="6603999" y="5373913"/>
+            <a:ext cx="1465943" cy="642254"/>
+          </a:xfrm>
+          <a:prstGeom prst="straightConnector1">
+            <a:avLst/>
+          </a:prstGeom>
+          <a:ln>
+            <a:tailEnd type="triangle"/>
+          </a:ln>
+        </p:spPr>
+        <p:style>
+          <a:lnRef idx="1">
+            <a:schemeClr val="accent1"/>
+          </a:lnRef>
+          <a:fillRef idx="0">
+            <a:schemeClr val="accent1"/>
+          </a:fillRef>
+          <a:effectRef idx="0">
+            <a:schemeClr val="accent1"/>
+          </a:effectRef>
+          <a:fontRef idx="minor">
+            <a:schemeClr val="tx1"/>
+          </a:fontRef>
+        </p:style>
+      </p:cxnSp>
+      <p:sp>
+        <p:nvSpPr>
+          <p:cNvPr id="33" name="TextBox 32">
+            <a:extLst>
+              <a:ext uri="{FF2B5EF4-FFF2-40B4-BE49-F238E27FC236}">
+                <a16:creationId xmlns:a16="http://schemas.microsoft.com/office/drawing/2014/main" id="{7B0B8097-54A4-4136-86A3-2784F5857AFF}"/>
+              </a:ext>
+            </a:extLst>
+          </p:cNvPr>
+          <p:cNvSpPr txBox="1"/>
+          <p:nvPr/>
+        </p:nvSpPr>
+        <p:spPr>
+          <a:xfrm>
+            <a:off x="5722262" y="4223654"/>
+            <a:ext cx="1226818" cy="307777"/>
+          </a:xfrm>
+          <a:prstGeom prst="rect">
+            <a:avLst/>
+          </a:prstGeom>
+          <a:noFill/>
+        </p:spPr>
+        <p:txBody>
+          <a:bodyPr wrap="square" rtlCol="0">
+            <a:spAutoFit/>
+          </a:bodyPr>
+          <a:lstStyle/>
+          <a:p>
+            <a:r>
+              <a:rPr lang="en-IN" sz="1400" b="1" dirty="0"/>
+              <a:t>Search Zones</a:t>
+            </a:r>
+          </a:p>
+        </p:txBody>
+      </p:sp>
+      <p:cxnSp>
+        <p:nvCxnSpPr>
+          <p:cNvPr id="34" name="Straight Arrow Connector 33">
+            <a:extLst>
+              <a:ext uri="{FF2B5EF4-FFF2-40B4-BE49-F238E27FC236}">
+                <a16:creationId xmlns:a16="http://schemas.microsoft.com/office/drawing/2014/main" id="{E3B767B7-CFF1-4B97-A6B4-E94B295216BD}"/>
+              </a:ext>
+            </a:extLst>
+          </p:cNvPr>
+          <p:cNvCxnSpPr>
+            <a:cxnSpLocks/>
+          </p:cNvCxnSpPr>
+          <p:nvPr/>
+        </p:nvCxnSpPr>
+        <p:spPr>
+          <a:xfrm flipH="1">
+            <a:off x="9060546" y="5572672"/>
+            <a:ext cx="1654626" cy="830579"/>
+          </a:xfrm>
+          <a:prstGeom prst="straightConnector1">
+            <a:avLst/>
+          </a:prstGeom>
+          <a:ln>
+            <a:tailEnd type="triangle"/>
+          </a:ln>
+        </p:spPr>
+        <p:style>
+          <a:lnRef idx="1">
+            <a:schemeClr val="accent1"/>
+          </a:lnRef>
+          <a:fillRef idx="0">
+            <a:schemeClr val="accent1"/>
+          </a:fillRef>
+          <a:effectRef idx="0">
+            <a:schemeClr val="accent1"/>
+          </a:effectRef>
+          <a:fontRef idx="minor">
+            <a:schemeClr val="tx1"/>
+          </a:fontRef>
+        </p:style>
+      </p:cxnSp>
+      <p:sp>
+        <p:nvSpPr>
+          <p:cNvPr id="40" name="TextBox 39">
+            <a:extLst>
+              <a:ext uri="{FF2B5EF4-FFF2-40B4-BE49-F238E27FC236}">
+                <a16:creationId xmlns:a16="http://schemas.microsoft.com/office/drawing/2014/main" id="{3AD04B4C-54EB-4F0E-86E6-B32E5851C0AE}"/>
+              </a:ext>
+            </a:extLst>
+          </p:cNvPr>
+          <p:cNvSpPr txBox="1"/>
+          <p:nvPr/>
+        </p:nvSpPr>
+        <p:spPr>
+          <a:xfrm>
+            <a:off x="8483600" y="5617155"/>
+            <a:ext cx="3062513" cy="276999"/>
+          </a:xfrm>
+          <a:prstGeom prst="rect">
+            <a:avLst/>
+          </a:prstGeom>
+          <a:noFill/>
+        </p:spPr>
+        <p:txBody>
+          <a:bodyPr wrap="square" rtlCol="0">
+            <a:spAutoFit/>
+          </a:bodyPr>
+          <a:lstStyle/>
+          <a:p>
+            <a:r>
+              <a:rPr lang="en-IN" sz="1200" b="1" dirty="0"/>
+              <a:t>Drop Duplicates</a:t>
+            </a:r>
+          </a:p>
+        </p:txBody>
+      </p:sp>
+      <p:cxnSp>
+        <p:nvCxnSpPr>
+          <p:cNvPr id="44" name="Straight Arrow Connector 43">
+            <a:extLst>
+              <a:ext uri="{FF2B5EF4-FFF2-40B4-BE49-F238E27FC236}">
+                <a16:creationId xmlns:a16="http://schemas.microsoft.com/office/drawing/2014/main" id="{1D6FF490-1E43-4AB9-BB81-EE3D07A36D99}"/>
+              </a:ext>
+            </a:extLst>
+          </p:cNvPr>
+          <p:cNvCxnSpPr>
+            <a:stCxn id="26" idx="2"/>
+          </p:cNvCxnSpPr>
+          <p:nvPr/>
+        </p:nvCxnSpPr>
+        <p:spPr>
+          <a:xfrm flipH="1">
+            <a:off x="8556170" y="5582223"/>
+            <a:ext cx="1" cy="433944"/>
+          </a:xfrm>
+          <a:prstGeom prst="straightConnector1">
+            <a:avLst/>
+          </a:prstGeom>
+          <a:ln>
+            <a:tailEnd type="triangle"/>
+          </a:ln>
+        </p:spPr>
+        <p:style>
+          <a:lnRef idx="1">
+            <a:schemeClr val="accent1"/>
+          </a:lnRef>
+          <a:fillRef idx="0">
+            <a:schemeClr val="accent1"/>
+          </a:fillRef>
+          <a:effectRef idx="0">
+            <a:schemeClr val="accent1"/>
+          </a:effectRef>
+          <a:fontRef idx="minor">
+            <a:schemeClr val="tx1"/>
+          </a:fontRef>
+        </p:style>
+      </p:cxnSp>
+      <p:sp>
+        <p:nvSpPr>
+          <p:cNvPr id="45" name="Rectangle 44">
+            <a:extLst>
+              <a:ext uri="{FF2B5EF4-FFF2-40B4-BE49-F238E27FC236}">
+                <a16:creationId xmlns:a16="http://schemas.microsoft.com/office/drawing/2014/main" id="{4B983DA1-6EFB-409D-853A-4F544B92C773}"/>
+              </a:ext>
+            </a:extLst>
+          </p:cNvPr>
+          <p:cNvSpPr/>
+          <p:nvPr/>
+        </p:nvSpPr>
+        <p:spPr>
+          <a:xfrm>
+            <a:off x="8088088" y="6054911"/>
+            <a:ext cx="972457" cy="696681"/>
+          </a:xfrm>
+          <a:prstGeom prst="rect">
+            <a:avLst/>
+          </a:prstGeom>
+        </p:spPr>
+        <p:style>
+          <a:lnRef idx="2">
+            <a:schemeClr val="accent1">
+              <a:shade val="50000"/>
+            </a:schemeClr>
+          </a:lnRef>
+          <a:fillRef idx="1">
+            <a:schemeClr val="accent1"/>
+          </a:fillRef>
+          <a:effectRef idx="0">
+            <a:schemeClr val="accent1"/>
+          </a:effectRef>
+          <a:fontRef idx="minor">
+            <a:schemeClr val="lt1"/>
+          </a:fontRef>
+        </p:style>
+        <p:txBody>
+          <a:bodyPr rtlCol="0" anchor="ctr"/>
+          <a:lstStyle/>
+          <a:p>
+            <a:pPr algn="ctr"/>
+            <a:r>
+              <a:rPr lang="en-IN" dirty="0"/>
+              <a:t>Final</a:t>
+            </a:r>
+          </a:p>
+        </p:txBody>
+      </p:sp>
+      <p:sp>
+        <p:nvSpPr>
+          <p:cNvPr id="47" name="Rectangle 46">
+            <a:extLst>
+              <a:ext uri="{FF2B5EF4-FFF2-40B4-BE49-F238E27FC236}">
+                <a16:creationId xmlns:a16="http://schemas.microsoft.com/office/drawing/2014/main" id="{7B69D1E5-4303-44DA-A224-755706C1F5B2}"/>
+              </a:ext>
+            </a:extLst>
+          </p:cNvPr>
+          <p:cNvSpPr/>
+          <p:nvPr/>
+        </p:nvSpPr>
+        <p:spPr>
+          <a:xfrm>
+            <a:off x="7687341" y="3988282"/>
+            <a:ext cx="1737655" cy="313932"/>
+          </a:xfrm>
+          <a:prstGeom prst="rect">
+            <a:avLst/>
+          </a:prstGeom>
+          <a:ln>
+            <a:solidFill>
+              <a:schemeClr val="tx1"/>
+            </a:solidFill>
+          </a:ln>
+        </p:spPr>
+        <p:txBody>
+          <a:bodyPr wrap="none">
+            <a:spAutoFit/>
+          </a:bodyPr>
+          <a:lstStyle/>
+          <a:p>
+            <a:pPr marL="0" lvl="1" defTabSz="755650">
+              <a:lnSpc>
+                <a:spcPct val="90000"/>
+              </a:lnSpc>
+              <a:spcBef>
+                <a:spcPct val="0"/>
+              </a:spcBef>
+              <a:spcAft>
+                <a:spcPct val="15000"/>
+              </a:spcAft>
+            </a:pPr>
+            <a:r>
+              <a:rPr lang="en-IN" sz="1600" b="1" dirty="0"/>
+              <a:t>Hospital Locations</a:t>
+            </a:r>
+          </a:p>
+        </p:txBody>
+      </p:sp>
+      <p:sp>
+        <p:nvSpPr>
+          <p:cNvPr id="48" name="TextBox 47">
+            <a:extLst>
+              <a:ext uri="{FF2B5EF4-FFF2-40B4-BE49-F238E27FC236}">
+                <a16:creationId xmlns:a16="http://schemas.microsoft.com/office/drawing/2014/main" id="{AD0F5D21-56C9-4EF0-ABCE-0BF135E405C0}"/>
+              </a:ext>
+            </a:extLst>
+          </p:cNvPr>
+          <p:cNvSpPr txBox="1"/>
+          <p:nvPr/>
+        </p:nvSpPr>
+        <p:spPr>
+          <a:xfrm>
+            <a:off x="6379029" y="5036718"/>
+            <a:ext cx="3062513" cy="646331"/>
+          </a:xfrm>
+          <a:prstGeom prst="rect">
+            <a:avLst/>
+          </a:prstGeom>
+          <a:noFill/>
+        </p:spPr>
+        <p:txBody>
+          <a:bodyPr wrap="square" rtlCol="0">
+            <a:spAutoFit/>
+          </a:bodyPr>
+          <a:lstStyle/>
+          <a:p>
+            <a:r>
+              <a:rPr lang="en-IN" sz="1200" b="1" dirty="0"/>
+              <a:t>Foursquare API</a:t>
+            </a:r>
+          </a:p>
+          <a:p>
+            <a:r>
+              <a:rPr lang="en-IN" sz="1200" dirty="0"/>
+              <a:t>Extract Name, Category</a:t>
+            </a:r>
+          </a:p>
+          <a:p>
+            <a:r>
+              <a:rPr lang="en-IN" sz="1200" dirty="0"/>
+              <a:t>Lat and Long</a:t>
+            </a:r>
+          </a:p>
+        </p:txBody>
+      </p:sp>
+      <p:sp>
+        <p:nvSpPr>
+          <p:cNvPr id="49" name="Cylinder 48">
+            <a:extLst>
+              <a:ext uri="{FF2B5EF4-FFF2-40B4-BE49-F238E27FC236}">
+                <a16:creationId xmlns:a16="http://schemas.microsoft.com/office/drawing/2014/main" id="{E48609F0-E491-4BB6-B217-012DDD1D2BA7}"/>
+              </a:ext>
+            </a:extLst>
+          </p:cNvPr>
+          <p:cNvSpPr/>
+          <p:nvPr/>
+        </p:nvSpPr>
+        <p:spPr>
+          <a:xfrm>
+            <a:off x="10749641" y="4807697"/>
+            <a:ext cx="765628" cy="764975"/>
+          </a:xfrm>
+          <a:prstGeom prst="can">
+            <a:avLst/>
+          </a:prstGeom>
+        </p:spPr>
+        <p:style>
+          <a:lnRef idx="2">
+            <a:schemeClr val="accent1">
+              <a:shade val="50000"/>
+            </a:schemeClr>
+          </a:lnRef>
+          <a:fillRef idx="1">
+            <a:schemeClr val="accent1"/>
+          </a:fillRef>
+          <a:effectRef idx="0">
+            <a:schemeClr val="accent1"/>
+          </a:effectRef>
+          <a:fontRef idx="minor">
+            <a:schemeClr val="lt1"/>
+          </a:fontRef>
+        </p:style>
+        <p:txBody>
+          <a:bodyPr rtlCol="0" anchor="ctr"/>
+          <a:lstStyle/>
+          <a:p>
+            <a:pPr algn="ctr"/>
+            <a:r>
+              <a:rPr lang="en-IN" dirty="0"/>
+              <a:t>Raw</a:t>
+            </a:r>
+          </a:p>
+        </p:txBody>
+      </p:sp>
+      <p:sp>
+        <p:nvSpPr>
+          <p:cNvPr id="50" name="TextBox 49">
+            <a:extLst>
+              <a:ext uri="{FF2B5EF4-FFF2-40B4-BE49-F238E27FC236}">
+                <a16:creationId xmlns:a16="http://schemas.microsoft.com/office/drawing/2014/main" id="{A94DD710-17A1-458D-B63C-31885F554155}"/>
+              </a:ext>
+            </a:extLst>
+          </p:cNvPr>
+          <p:cNvSpPr txBox="1"/>
+          <p:nvPr/>
+        </p:nvSpPr>
+        <p:spPr>
+          <a:xfrm>
+            <a:off x="5976261" y="2256974"/>
+            <a:ext cx="1226818" cy="523220"/>
+          </a:xfrm>
+          <a:prstGeom prst="rect">
+            <a:avLst/>
+          </a:prstGeom>
+          <a:noFill/>
+        </p:spPr>
+        <p:txBody>
+          <a:bodyPr wrap="square" rtlCol="0">
+            <a:spAutoFit/>
+          </a:bodyPr>
+          <a:lstStyle/>
+          <a:p>
+            <a:r>
+              <a:rPr lang="en-IN" sz="1400" b="1" dirty="0"/>
+              <a:t>Public Dataset</a:t>
+            </a:r>
+          </a:p>
+        </p:txBody>
+      </p:sp>
+      <p:sp>
+        <p:nvSpPr>
+          <p:cNvPr id="51" name="TextBox 50">
+            <a:extLst>
+              <a:ext uri="{FF2B5EF4-FFF2-40B4-BE49-F238E27FC236}">
+                <a16:creationId xmlns:a16="http://schemas.microsoft.com/office/drawing/2014/main" id="{FD625BFE-842B-4E85-A918-2529E55A83D5}"/>
+              </a:ext>
+            </a:extLst>
+          </p:cNvPr>
+          <p:cNvSpPr txBox="1"/>
+          <p:nvPr/>
+        </p:nvSpPr>
+        <p:spPr>
+          <a:xfrm>
+            <a:off x="10806251" y="5716548"/>
+            <a:ext cx="1226818" cy="738664"/>
+          </a:xfrm>
+          <a:prstGeom prst="rect">
+            <a:avLst/>
+          </a:prstGeom>
+          <a:noFill/>
+        </p:spPr>
+        <p:txBody>
+          <a:bodyPr wrap="square" rtlCol="0">
+            <a:spAutoFit/>
+          </a:bodyPr>
+          <a:lstStyle/>
+          <a:p>
+            <a:r>
+              <a:rPr lang="en-IN" sz="1400" b="1" dirty="0"/>
+              <a:t>Public Dataset</a:t>
+            </a:r>
+          </a:p>
+          <a:p>
+            <a:r>
+              <a:rPr lang="en-IN" sz="1400" b="1" dirty="0"/>
+              <a:t>(LA County)</a:t>
+            </a:r>
+          </a:p>
+        </p:txBody>
+      </p:sp>
+      <p:sp>
+        <p:nvSpPr>
+          <p:cNvPr id="52" name="TextBox 51">
+            <a:extLst>
+              <a:ext uri="{FF2B5EF4-FFF2-40B4-BE49-F238E27FC236}">
+                <a16:creationId xmlns:a16="http://schemas.microsoft.com/office/drawing/2014/main" id="{0A10C16C-C237-48C3-AB6E-49F5CAB9A16D}"/>
+              </a:ext>
+            </a:extLst>
+          </p:cNvPr>
+          <p:cNvSpPr txBox="1"/>
+          <p:nvPr/>
+        </p:nvSpPr>
+        <p:spPr>
+          <a:xfrm>
+            <a:off x="10749641" y="4346032"/>
+            <a:ext cx="983344" cy="461665"/>
+          </a:xfrm>
+          <a:prstGeom prst="rect">
+            <a:avLst/>
+          </a:prstGeom>
+          <a:noFill/>
+        </p:spPr>
+        <p:txBody>
+          <a:bodyPr wrap="square" rtlCol="0">
+            <a:spAutoFit/>
+          </a:bodyPr>
+          <a:lstStyle/>
+          <a:p>
+            <a:r>
+              <a:rPr lang="en-IN" sz="1200" b="1" dirty="0"/>
+              <a:t>Filter rows</a:t>
+            </a:r>
+            <a:r>
+              <a:rPr lang="en-IN" sz="1200" dirty="0"/>
+              <a:t>: LA City</a:t>
+            </a:r>
+          </a:p>
+        </p:txBody>
+      </p:sp>
+      <p:sp>
+        <p:nvSpPr>
+          <p:cNvPr id="53" name="TextBox 52">
+            <a:extLst>
+              <a:ext uri="{FF2B5EF4-FFF2-40B4-BE49-F238E27FC236}">
+                <a16:creationId xmlns:a16="http://schemas.microsoft.com/office/drawing/2014/main" id="{CF8AAC73-2438-4BEE-B7DB-2589A655A114}"/>
+              </a:ext>
+            </a:extLst>
+          </p:cNvPr>
+          <p:cNvSpPr txBox="1"/>
+          <p:nvPr/>
+        </p:nvSpPr>
+        <p:spPr>
+          <a:xfrm rot="19947527">
+            <a:off x="9188036" y="5716706"/>
+            <a:ext cx="1581153" cy="461665"/>
+          </a:xfrm>
+          <a:prstGeom prst="rect">
+            <a:avLst/>
+          </a:prstGeom>
+          <a:noFill/>
+        </p:spPr>
+        <p:txBody>
+          <a:bodyPr wrap="square" rtlCol="0">
+            <a:spAutoFit/>
+          </a:bodyPr>
+          <a:lstStyle/>
+          <a:p>
+            <a:r>
+              <a:rPr lang="en-IN" sz="1200" dirty="0"/>
+              <a:t>Add hospitals missed by API search</a:t>
+            </a:r>
+          </a:p>
+        </p:txBody>
+      </p:sp>
+      <p:graphicFrame>
+        <p:nvGraphicFramePr>
+          <p:cNvPr id="2" name="Table 5">
+            <a:extLst>
+              <a:ext uri="{FF2B5EF4-FFF2-40B4-BE49-F238E27FC236}">
+                <a16:creationId xmlns:a16="http://schemas.microsoft.com/office/drawing/2014/main" id="{8D0C1812-1689-4A0C-BE9F-0B68002485CE}"/>
+              </a:ext>
+            </a:extLst>
+          </p:cNvPr>
+          <p:cNvGraphicFramePr>
+            <a:graphicFrameLocks noGrp="1"/>
+          </p:cNvGraphicFramePr>
+          <p:nvPr>
+            <p:extLst>
+              <p:ext uri="{D42A27DB-BD31-4B8C-83A1-F6EECF244321}">
+                <p14:modId xmlns:p14="http://schemas.microsoft.com/office/powerpoint/2010/main" val="4264119704"/>
+              </p:ext>
+            </p:extLst>
+          </p:nvPr>
+        </p:nvGraphicFramePr>
+        <p:xfrm>
+          <a:off x="6865257" y="2613173"/>
+          <a:ext cx="1222831" cy="682779"/>
+        </p:xfrm>
+        <a:graphic>
+          <a:graphicData uri="http://schemas.openxmlformats.org/drawingml/2006/table">
+            <a:tbl>
+              <a:tblPr firstRow="1" bandRow="1">
+                <a:tableStyleId>{5C22544A-7EE6-4342-B048-85BDC9FD1C3A}</a:tableStyleId>
+              </a:tblPr>
+              <a:tblGrid>
+                <a:gridCol w="1222831">
+                  <a:extLst>
+                    <a:ext uri="{9D8B030D-6E8A-4147-A177-3AD203B41FA5}">
+                      <a16:colId xmlns:a16="http://schemas.microsoft.com/office/drawing/2014/main" val="2675021779"/>
+                    </a:ext>
+                  </a:extLst>
+                </a:gridCol>
+              </a:tblGrid>
+              <a:tr h="93173">
+                <a:tc>
+                  <a:txBody>
+                    <a:bodyPr/>
+                    <a:lstStyle/>
+                    <a:p>
+                      <a:pPr algn="ctr" fontAlgn="b"/>
+                      <a:r>
+                        <a:rPr lang="en-IN" sz="1200" b="1" i="0" u="none" strike="noStrike" dirty="0">
+                          <a:solidFill>
+                            <a:schemeClr val="bg1"/>
+                          </a:solidFill>
+                          <a:effectLst/>
+                          <a:latin typeface="Calibri" panose="020F0502020204030204" pitchFamily="34" charset="0"/>
+                        </a:rPr>
+                        <a:t>Location</a:t>
+                      </a:r>
+                    </a:p>
+                  </a:txBody>
+                  <a:tcPr marL="9525" marR="9525" marT="9525" marB="0" anchor="ctr"/>
+                </a:tc>
+                <a:extLst>
+                  <a:ext uri="{0D108BD9-81ED-4DB2-BD59-A6C34878D82A}">
+                    <a16:rowId xmlns:a16="http://schemas.microsoft.com/office/drawing/2014/main" val="384325123"/>
+                  </a:ext>
+                </a:extLst>
+              </a:tr>
+              <a:tr h="245187">
+                <a:tc>
+                  <a:txBody>
+                    <a:bodyPr/>
+                    <a:lstStyle/>
+                    <a:p>
+                      <a:pPr algn="l" fontAlgn="b"/>
+                      <a:r>
+                        <a:rPr lang="en-IN" sz="1100" b="0" i="0" u="none" strike="noStrike" dirty="0">
+                          <a:solidFill>
+                            <a:srgbClr val="000000"/>
+                          </a:solidFill>
+                          <a:effectLst/>
+                          <a:latin typeface="Calibri" panose="020F0502020204030204" pitchFamily="34" charset="0"/>
+                        </a:rPr>
+                        <a:t>(34.0508, -118.2731)</a:t>
+                      </a:r>
+                    </a:p>
+                  </a:txBody>
+                  <a:tcPr marL="9525" marR="9525" marT="9525" marB="0" anchor="ctr"/>
+                </a:tc>
+                <a:extLst>
+                  <a:ext uri="{0D108BD9-81ED-4DB2-BD59-A6C34878D82A}">
+                    <a16:rowId xmlns:a16="http://schemas.microsoft.com/office/drawing/2014/main" val="2792376861"/>
+                  </a:ext>
+                </a:extLst>
+              </a:tr>
+              <a:tr h="245187">
+                <a:tc>
+                  <a:txBody>
+                    <a:bodyPr/>
+                    <a:lstStyle/>
+                    <a:p>
+                      <a:pPr algn="l" fontAlgn="b"/>
+                      <a:r>
+                        <a:rPr lang="en-IN" sz="1100" b="0" i="0" u="none" strike="noStrike" dirty="0">
+                          <a:solidFill>
+                            <a:srgbClr val="000000"/>
+                          </a:solidFill>
+                          <a:effectLst/>
+                          <a:latin typeface="Calibri" panose="020F0502020204030204" pitchFamily="34" charset="0"/>
+                        </a:rPr>
+                        <a:t>(33.8542, -118.2905)</a:t>
+                      </a:r>
+                    </a:p>
+                  </a:txBody>
+                  <a:tcPr marL="9525" marR="9525" marT="9525" marB="0" anchor="ctr"/>
+                </a:tc>
+                <a:extLst>
+                  <a:ext uri="{0D108BD9-81ED-4DB2-BD59-A6C34878D82A}">
+                    <a16:rowId xmlns:a16="http://schemas.microsoft.com/office/drawing/2014/main" val="3927170515"/>
+                  </a:ext>
+                </a:extLst>
+              </a:tr>
+            </a:tbl>
+          </a:graphicData>
+        </a:graphic>
+      </p:graphicFrame>
+      <p:graphicFrame>
+        <p:nvGraphicFramePr>
+          <p:cNvPr id="37" name="Table 5">
+            <a:extLst>
+              <a:ext uri="{FF2B5EF4-FFF2-40B4-BE49-F238E27FC236}">
+                <a16:creationId xmlns:a16="http://schemas.microsoft.com/office/drawing/2014/main" id="{6AACB574-A602-444E-A8D4-FA0231D71D26}"/>
+              </a:ext>
+            </a:extLst>
+          </p:cNvPr>
+          <p:cNvGraphicFramePr>
+            <a:graphicFrameLocks noGrp="1"/>
+          </p:cNvGraphicFramePr>
+          <p:nvPr>
+            <p:extLst>
+              <p:ext uri="{D42A27DB-BD31-4B8C-83A1-F6EECF244321}">
+                <p14:modId xmlns:p14="http://schemas.microsoft.com/office/powerpoint/2010/main" val="980763629"/>
+              </p:ext>
+            </p:extLst>
+          </p:nvPr>
+        </p:nvGraphicFramePr>
+        <p:xfrm>
+          <a:off x="9122225" y="2591404"/>
+          <a:ext cx="1415146" cy="682779"/>
+        </p:xfrm>
+        <a:graphic>
+          <a:graphicData uri="http://schemas.openxmlformats.org/drawingml/2006/table">
+            <a:tbl>
+              <a:tblPr firstRow="1" bandRow="1">
+                <a:tableStyleId>{5C22544A-7EE6-4342-B048-85BDC9FD1C3A}</a:tableStyleId>
+              </a:tblPr>
+              <a:tblGrid>
+                <a:gridCol w="707573">
+                  <a:extLst>
+                    <a:ext uri="{9D8B030D-6E8A-4147-A177-3AD203B41FA5}">
+                      <a16:colId xmlns:a16="http://schemas.microsoft.com/office/drawing/2014/main" val="2675021779"/>
+                    </a:ext>
+                  </a:extLst>
+                </a:gridCol>
+                <a:gridCol w="707573">
+                  <a:extLst>
+                    <a:ext uri="{9D8B030D-6E8A-4147-A177-3AD203B41FA5}">
+                      <a16:colId xmlns:a16="http://schemas.microsoft.com/office/drawing/2014/main" val="2541307457"/>
+                    </a:ext>
+                  </a:extLst>
+                </a:gridCol>
+              </a:tblGrid>
+              <a:tr h="93173">
+                <a:tc>
+                  <a:txBody>
+                    <a:bodyPr/>
+                    <a:lstStyle/>
+                    <a:p>
+                      <a:pPr algn="ctr" fontAlgn="b"/>
+                      <a:r>
+                        <a:rPr lang="en-IN" sz="1200" b="1" i="0" u="none" strike="noStrike" dirty="0">
+                          <a:solidFill>
+                            <a:schemeClr val="bg1"/>
+                          </a:solidFill>
+                          <a:effectLst/>
+                          <a:latin typeface="Calibri" panose="020F0502020204030204" pitchFamily="34" charset="0"/>
+                        </a:rPr>
+                        <a:t>Latitude</a:t>
+                      </a:r>
+                    </a:p>
+                  </a:txBody>
+                  <a:tcPr marL="9525" marR="9525" marT="9525" marB="0" anchor="ctr"/>
+                </a:tc>
+                <a:tc>
+                  <a:txBody>
+                    <a:bodyPr/>
+                    <a:lstStyle/>
+                    <a:p>
+                      <a:pPr algn="ctr" fontAlgn="b"/>
+                      <a:r>
+                        <a:rPr lang="en-IN" sz="1200" b="1" i="0" u="none" strike="noStrike" dirty="0">
+                          <a:solidFill>
+                            <a:schemeClr val="bg1"/>
+                          </a:solidFill>
+                          <a:effectLst/>
+                          <a:latin typeface="Calibri" panose="020F0502020204030204" pitchFamily="34" charset="0"/>
+                        </a:rPr>
+                        <a:t>Longitude</a:t>
+                      </a:r>
+                    </a:p>
+                  </a:txBody>
+                  <a:tcPr marL="9525" marR="9525" marT="9525" marB="0" anchor="ctr"/>
+                </a:tc>
+                <a:extLst>
+                  <a:ext uri="{0D108BD9-81ED-4DB2-BD59-A6C34878D82A}">
+                    <a16:rowId xmlns:a16="http://schemas.microsoft.com/office/drawing/2014/main" val="384325123"/>
+                  </a:ext>
+                </a:extLst>
+              </a:tr>
+              <a:tr h="245187">
+                <a:tc>
+                  <a:txBody>
+                    <a:bodyPr/>
+                    <a:lstStyle/>
+                    <a:p>
+                      <a:pPr algn="ctr" fontAlgn="b"/>
+                      <a:r>
+                        <a:rPr lang="en-IN" sz="1100" b="0" i="0" u="none" strike="noStrike" dirty="0">
+                          <a:solidFill>
+                            <a:srgbClr val="000000"/>
+                          </a:solidFill>
+                          <a:effectLst/>
+                          <a:latin typeface="Calibri" panose="020F0502020204030204" pitchFamily="34" charset="0"/>
+                        </a:rPr>
+                        <a:t>34.0508</a:t>
+                      </a:r>
+                    </a:p>
+                  </a:txBody>
+                  <a:tcPr marL="9525" marR="9525" marT="9525" marB="0" anchor="ctr"/>
+                </a:tc>
+                <a:tc>
+                  <a:txBody>
+                    <a:bodyPr/>
+                    <a:lstStyle/>
+                    <a:p>
+                      <a:pPr algn="ctr" fontAlgn="b"/>
+                      <a:r>
+                        <a:rPr lang="en-IN" sz="1100" b="0" i="0" u="none" strike="noStrike" dirty="0">
+                          <a:solidFill>
+                            <a:srgbClr val="000000"/>
+                          </a:solidFill>
+                          <a:effectLst/>
+                          <a:latin typeface="Calibri" panose="020F0502020204030204" pitchFamily="34" charset="0"/>
+                        </a:rPr>
+                        <a:t>-118.2731</a:t>
+                      </a:r>
+                    </a:p>
+                  </a:txBody>
+                  <a:tcPr marL="9525" marR="9525" marT="9525" marB="0" anchor="ctr"/>
+                </a:tc>
+                <a:extLst>
+                  <a:ext uri="{0D108BD9-81ED-4DB2-BD59-A6C34878D82A}">
+                    <a16:rowId xmlns:a16="http://schemas.microsoft.com/office/drawing/2014/main" val="2792376861"/>
+                  </a:ext>
+                </a:extLst>
+              </a:tr>
+              <a:tr h="245187">
+                <a:tc>
+                  <a:txBody>
+                    <a:bodyPr/>
+                    <a:lstStyle/>
+                    <a:p>
+                      <a:pPr algn="ctr" fontAlgn="b"/>
+                      <a:r>
+                        <a:rPr lang="en-IN" sz="1100" b="0" i="0" u="none" strike="noStrike" dirty="0">
+                          <a:solidFill>
+                            <a:srgbClr val="000000"/>
+                          </a:solidFill>
+                          <a:effectLst/>
+                          <a:latin typeface="Calibri" panose="020F0502020204030204" pitchFamily="34" charset="0"/>
+                        </a:rPr>
+                        <a:t>33.8542</a:t>
+                      </a:r>
+                    </a:p>
+                  </a:txBody>
+                  <a:tcPr marL="9525" marR="9525" marT="9525" marB="0" anchor="ctr"/>
+                </a:tc>
+                <a:tc>
+                  <a:txBody>
+                    <a:bodyPr/>
+                    <a:lstStyle/>
+                    <a:p>
+                      <a:pPr algn="ctr" fontAlgn="b"/>
+                      <a:r>
+                        <a:rPr lang="en-IN" sz="1100" b="0" i="0" u="none" strike="noStrike" dirty="0">
+                          <a:solidFill>
+                            <a:srgbClr val="000000"/>
+                          </a:solidFill>
+                          <a:effectLst/>
+                          <a:latin typeface="Calibri" panose="020F0502020204030204" pitchFamily="34" charset="0"/>
+                        </a:rPr>
+                        <a:t>-118.2905</a:t>
+                      </a:r>
+                    </a:p>
+                  </a:txBody>
+                  <a:tcPr marL="9525" marR="9525" marT="9525" marB="0" anchor="ctr"/>
+                </a:tc>
+                <a:extLst>
+                  <a:ext uri="{0D108BD9-81ED-4DB2-BD59-A6C34878D82A}">
+                    <a16:rowId xmlns:a16="http://schemas.microsoft.com/office/drawing/2014/main" val="3927170515"/>
+                  </a:ext>
+                </a:extLst>
+              </a:tr>
+            </a:tbl>
+          </a:graphicData>
+        </a:graphic>
+      </p:graphicFrame>
+      <p:cxnSp>
+        <p:nvCxnSpPr>
+          <p:cNvPr id="38" name="Straight Arrow Connector 37">
+            <a:extLst>
+              <a:ext uri="{FF2B5EF4-FFF2-40B4-BE49-F238E27FC236}">
+                <a16:creationId xmlns:a16="http://schemas.microsoft.com/office/drawing/2014/main" id="{9F75E669-E1A9-439D-B556-E7D9A36588FB}"/>
+              </a:ext>
+            </a:extLst>
+          </p:cNvPr>
+          <p:cNvCxnSpPr>
+            <a:cxnSpLocks/>
+          </p:cNvCxnSpPr>
+          <p:nvPr/>
+        </p:nvCxnSpPr>
+        <p:spPr>
+          <a:xfrm>
+            <a:off x="8069942" y="3013629"/>
+            <a:ext cx="1066797" cy="3727"/>
+          </a:xfrm>
+          <a:prstGeom prst="straightConnector1">
+            <a:avLst/>
+          </a:prstGeom>
+          <a:ln>
+            <a:tailEnd type="triangle"/>
+          </a:ln>
+        </p:spPr>
+        <p:style>
+          <a:lnRef idx="1">
+            <a:schemeClr val="accent1"/>
+          </a:lnRef>
+          <a:fillRef idx="0">
+            <a:schemeClr val="accent1"/>
+          </a:fillRef>
+          <a:effectRef idx="0">
+            <a:schemeClr val="accent1"/>
+          </a:effectRef>
+          <a:fontRef idx="minor">
+            <a:schemeClr val="tx1"/>
+          </a:fontRef>
+        </p:style>
+      </p:cxnSp>
+      <p:sp>
+        <p:nvSpPr>
+          <p:cNvPr id="32" name="TextBox 31">
+            <a:extLst>
+              <a:ext uri="{FF2B5EF4-FFF2-40B4-BE49-F238E27FC236}">
+                <a16:creationId xmlns:a16="http://schemas.microsoft.com/office/drawing/2014/main" id="{F1E2F67F-726C-4933-9944-ABC18C9F5D2A}"/>
+              </a:ext>
+            </a:extLst>
+          </p:cNvPr>
+          <p:cNvSpPr txBox="1"/>
+          <p:nvPr/>
+        </p:nvSpPr>
+        <p:spPr>
+          <a:xfrm>
+            <a:off x="8160655" y="2777798"/>
+            <a:ext cx="925286" cy="461665"/>
+          </a:xfrm>
+          <a:prstGeom prst="rect">
+            <a:avLst/>
+          </a:prstGeom>
+          <a:noFill/>
+        </p:spPr>
+        <p:txBody>
+          <a:bodyPr wrap="square" rtlCol="0">
+            <a:spAutoFit/>
+          </a:bodyPr>
+          <a:lstStyle/>
+          <a:p>
+            <a:r>
+              <a:rPr lang="en-IN" sz="1200" b="1" dirty="0"/>
+              <a:t>Feature</a:t>
+            </a:r>
+          </a:p>
+          <a:p>
+            <a:r>
+              <a:rPr lang="en-IN" sz="1200" b="1" dirty="0"/>
+              <a:t>Extraction</a:t>
+            </a:r>
+          </a:p>
+        </p:txBody>
+      </p:sp>
+    </p:spTree>
+    <p:extLst>
+      <p:ext uri="{BB962C8B-B14F-4D97-AF65-F5344CB8AC3E}">
+        <p14:creationId xmlns:p14="http://schemas.microsoft.com/office/powerpoint/2010/main" val="3359767591"/>
+      </p:ext>
+    </p:extLst>
+  </p:cSld>
+  <p:clrMapOvr>
+    <a:masterClrMapping/>
+  </p:clrMapOvr>
+</p:sld>
+</file>
+
+<file path=ppt/slides/slide5.xml><?xml version="1.0" encoding="utf-8"?>
+<p:sld xmlns:a="http://schemas.openxmlformats.org/drawingml/2006/main" xmlns:r="http://schemas.openxmlformats.org/officeDocument/2006/relationships" xmlns:p="http://schemas.openxmlformats.org/presentationml/2006/main">
+  <p:cSld>
+    <p:spTree>
+      <p:nvGrpSpPr>
+        <p:cNvPr id="1" name=""/>
+        <p:cNvGrpSpPr/>
+        <p:nvPr/>
+      </p:nvGrpSpPr>
+      <p:grpSpPr>
+        <a:xfrm>
+          <a:off x="0" y="0"/>
+          <a:ext cx="0" cy="0"/>
+          <a:chOff x="0" y="0"/>
+          <a:chExt cx="0" cy="0"/>
+        </a:xfrm>
+      </p:grpSpPr>
       <p:grpSp>
         <p:nvGrpSpPr>
           <p:cNvPr id="11" name="Group 10">
@@ -8153,8 +10567,8 @@
         </p:nvGrpSpPr>
         <p:grpSpPr>
           <a:xfrm>
-            <a:off x="6539781" y="1338777"/>
-            <a:ext cx="5430078" cy="4492180"/>
+            <a:off x="838200" y="1338777"/>
+            <a:ext cx="11131659" cy="4492180"/>
             <a:chOff x="838200" y="2866713"/>
             <a:chExt cx="5430078" cy="3723552"/>
           </a:xfrm>
@@ -8449,7 +10863,7 @@
               </a:pPr>
               <a:r>
                 <a:rPr lang="en-IN" sz="1700" kern="1200" dirty="0"/>
-                <a:t>Sample Data</a:t>
+                <a:t>Sample Final Data after Processing</a:t>
               </a:r>
             </a:p>
           </p:txBody>
@@ -8470,56 +10884,56 @@
           <p:nvPr>
             <p:extLst>
               <p:ext uri="{D42A27DB-BD31-4B8C-83A1-F6EECF244321}">
-                <p14:modId xmlns:p14="http://schemas.microsoft.com/office/powerpoint/2010/main" val="121821905"/>
+                <p14:modId xmlns:p14="http://schemas.microsoft.com/office/powerpoint/2010/main" val="3071357972"/>
               </p:ext>
             </p:extLst>
           </p:nvPr>
         </p:nvGraphicFramePr>
         <p:xfrm>
-          <a:off x="6788268" y="2315857"/>
-          <a:ext cx="4913400" cy="1015569"/>
+          <a:off x="2235199" y="2315857"/>
+          <a:ext cx="6778170" cy="1263659"/>
         </p:xfrm>
         <a:graphic>
           <a:graphicData uri="http://schemas.openxmlformats.org/drawingml/2006/table">
             <a:tbl>
               <a:tblPr/>
               <a:tblGrid>
-                <a:gridCol w="222132">
+                <a:gridCol w="306437">
                   <a:extLst>
                     <a:ext uri="{9D8B030D-6E8A-4147-A177-3AD203B41FA5}">
                       <a16:colId xmlns:a16="http://schemas.microsoft.com/office/drawing/2014/main" val="3266566644"/>
                     </a:ext>
                   </a:extLst>
                 </a:gridCol>
-                <a:gridCol w="861391">
+                <a:gridCol w="1188313">
                   <a:extLst>
                     <a:ext uri="{9D8B030D-6E8A-4147-A177-3AD203B41FA5}">
                       <a16:colId xmlns:a16="http://schemas.microsoft.com/office/drawing/2014/main" val="1699014831"/>
                     </a:ext>
                   </a:extLst>
                 </a:gridCol>
-                <a:gridCol w="1099931">
+                <a:gridCol w="1517385">
                   <a:extLst>
                     <a:ext uri="{9D8B030D-6E8A-4147-A177-3AD203B41FA5}">
                       <a16:colId xmlns:a16="http://schemas.microsoft.com/office/drawing/2014/main" val="3680192607"/>
                     </a:ext>
                   </a:extLst>
                 </a:gridCol>
-                <a:gridCol w="1092146">
+                <a:gridCol w="1506645">
                   <a:extLst>
                     <a:ext uri="{9D8B030D-6E8A-4147-A177-3AD203B41FA5}">
                       <a16:colId xmlns:a16="http://schemas.microsoft.com/office/drawing/2014/main" val="958729138"/>
                     </a:ext>
                   </a:extLst>
                 </a:gridCol>
-                <a:gridCol w="818900">
+                <a:gridCol w="1129695">
                   <a:extLst>
                     <a:ext uri="{9D8B030D-6E8A-4147-A177-3AD203B41FA5}">
                       <a16:colId xmlns:a16="http://schemas.microsoft.com/office/drawing/2014/main" val="2979148076"/>
                     </a:ext>
                   </a:extLst>
                 </a:gridCol>
-                <a:gridCol w="818900">
+                <a:gridCol w="1129695">
                   <a:extLst>
                     <a:ext uri="{9D8B030D-6E8A-4147-A177-3AD203B41FA5}">
                       <a16:colId xmlns:a16="http://schemas.microsoft.com/office/drawing/2014/main" val="3039304547"/>
@@ -8527,7 +10941,7 @@
                   </a:extLst>
                 </a:gridCol>
               </a:tblGrid>
-              <a:tr h="204911">
+              <a:tr h="254968">
                 <a:tc>
                   <a:txBody>
                     <a:bodyPr/>
@@ -8718,7 +11132,7 @@
                     <a:p>
                       <a:pPr algn="ctr" fontAlgn="ctr"/>
                       <a:r>
-                        <a:rPr lang="en-IN" sz="1200" b="1" i="0" u="none" strike="noStrike">
+                        <a:rPr lang="en-IN" sz="1200" b="1" i="0" u="none" strike="noStrike" dirty="0">
                           <a:solidFill>
                             <a:srgbClr val="000000"/>
                           </a:solidFill>
@@ -8906,7 +11320,7 @@
                   </a:ext>
                 </a:extLst>
               </a:tr>
-              <a:tr h="195925">
+              <a:tr h="243787">
                 <a:tc>
                   <a:txBody>
                     <a:bodyPr/>
@@ -9255,7 +11669,7 @@
                   </a:ext>
                 </a:extLst>
               </a:tr>
-              <a:tr h="204911">
+              <a:tr h="254968">
                 <a:tc>
                   <a:txBody>
                     <a:bodyPr/>
@@ -9611,7 +12025,7 @@
                   </a:ext>
                 </a:extLst>
               </a:tr>
-              <a:tr h="204911">
+              <a:tr h="254968">
                 <a:tc>
                   <a:txBody>
                     <a:bodyPr/>
@@ -9960,7 +12374,7 @@
                   </a:ext>
                 </a:extLst>
               </a:tr>
-              <a:tr h="204911">
+              <a:tr h="254968">
                 <a:tc>
                   <a:txBody>
                     <a:bodyPr/>
@@ -10327,8 +12741,8 @@
         </p:nvSpPr>
         <p:spPr>
           <a:xfrm>
-            <a:off x="6692351" y="1995884"/>
-            <a:ext cx="2570922" cy="338554"/>
+            <a:off x="2104128" y="1995877"/>
+            <a:ext cx="3546658" cy="338554"/>
           </a:xfrm>
           <a:prstGeom prst="rect">
             <a:avLst/>
@@ -10363,49 +12777,49 @@
           <p:nvPr>
             <p:extLst>
               <p:ext uri="{D42A27DB-BD31-4B8C-83A1-F6EECF244321}">
-                <p14:modId xmlns:p14="http://schemas.microsoft.com/office/powerpoint/2010/main" val="1058386892"/>
+                <p14:modId xmlns:p14="http://schemas.microsoft.com/office/powerpoint/2010/main" val="1873032272"/>
               </p:ext>
             </p:extLst>
           </p:nvPr>
         </p:nvGraphicFramePr>
         <p:xfrm>
-          <a:off x="6808148" y="3899496"/>
-          <a:ext cx="4913400" cy="1185943"/>
+          <a:off x="2178086" y="4305898"/>
+          <a:ext cx="6835283" cy="1213324"/>
         </p:xfrm>
         <a:graphic>
           <a:graphicData uri="http://schemas.openxmlformats.org/drawingml/2006/table">
             <a:tbl>
               <a:tblPr/>
               <a:tblGrid>
-                <a:gridCol w="222132">
+                <a:gridCol w="309019">
                   <a:extLst>
                     <a:ext uri="{9D8B030D-6E8A-4147-A177-3AD203B41FA5}">
                       <a16:colId xmlns:a16="http://schemas.microsoft.com/office/drawing/2014/main" val="3266566644"/>
                     </a:ext>
                   </a:extLst>
                 </a:gridCol>
-                <a:gridCol w="1961322">
+                <a:gridCol w="2728496">
                   <a:extLst>
                     <a:ext uri="{9D8B030D-6E8A-4147-A177-3AD203B41FA5}">
                       <a16:colId xmlns:a16="http://schemas.microsoft.com/office/drawing/2014/main" val="1699014831"/>
                     </a:ext>
                   </a:extLst>
                 </a:gridCol>
-                <a:gridCol w="1092146">
+                <a:gridCol w="1519340">
                   <a:extLst>
                     <a:ext uri="{9D8B030D-6E8A-4147-A177-3AD203B41FA5}">
                       <a16:colId xmlns:a16="http://schemas.microsoft.com/office/drawing/2014/main" val="958729138"/>
                     </a:ext>
                   </a:extLst>
                 </a:gridCol>
-                <a:gridCol w="818900">
+                <a:gridCol w="1139214">
                   <a:extLst>
                     <a:ext uri="{9D8B030D-6E8A-4147-A177-3AD203B41FA5}">
                       <a16:colId xmlns:a16="http://schemas.microsoft.com/office/drawing/2014/main" val="2979148076"/>
                     </a:ext>
                   </a:extLst>
                 </a:gridCol>
-                <a:gridCol w="818900">
+                <a:gridCol w="1139214">
                   <a:extLst>
                     <a:ext uri="{9D8B030D-6E8A-4147-A177-3AD203B41FA5}">
                       <a16:colId xmlns:a16="http://schemas.microsoft.com/office/drawing/2014/main" val="3039304547"/>
@@ -10413,7 +12827,7 @@
                   </a:extLst>
                 </a:gridCol>
               </a:tblGrid>
-              <a:tr h="204911">
+              <a:tr h="244812">
                 <a:tc>
                   <a:txBody>
                     <a:bodyPr/>
@@ -10604,14 +13018,14 @@
                     <a:p>
                       <a:pPr algn="ctr" fontAlgn="ctr"/>
                       <a:r>
-                        <a:rPr lang="en-IN" sz="1200" b="1" i="0" u="none" strike="noStrike">
+                        <a:rPr lang="en-IN" sz="1200" b="1" i="0" u="none" strike="noStrike" dirty="0">
                           <a:solidFill>
                             <a:srgbClr val="000000"/>
                           </a:solidFill>
                           <a:effectLst/>
                           <a:latin typeface="Calibri" panose="020F0502020204030204" pitchFamily="34" charset="0"/>
                         </a:rPr>
-                        <a:t>Latitude</a:t>
+                        <a:t>Lat</a:t>
                       </a:r>
                     </a:p>
                   </a:txBody>
@@ -10674,7 +13088,7 @@
                           <a:effectLst/>
                           <a:latin typeface="Calibri" panose="020F0502020204030204" pitchFamily="34" charset="0"/>
                         </a:rPr>
-                        <a:t>Longitude</a:t>
+                        <a:t>Long</a:t>
                       </a:r>
                     </a:p>
                   </a:txBody>
@@ -10729,7 +13143,7 @@
                   </a:ext>
                 </a:extLst>
               </a:tr>
-              <a:tr h="195925">
+              <a:tr h="234076">
                 <a:tc>
                   <a:txBody>
                     <a:bodyPr/>
@@ -11023,7 +13437,7 @@
                   </a:ext>
                 </a:extLst>
               </a:tr>
-              <a:tr h="204911">
+              <a:tr h="244812">
                 <a:tc>
                   <a:txBody>
                     <a:bodyPr/>
@@ -11335,7 +13749,7 @@
                   </a:ext>
                 </a:extLst>
               </a:tr>
-              <a:tr h="204911">
+              <a:tr h="244812">
                 <a:tc>
                   <a:txBody>
                     <a:bodyPr/>
@@ -11630,7 +14044,7 @@
                   </a:ext>
                 </a:extLst>
               </a:tr>
-              <a:tr h="204911">
+              <a:tr h="244812">
                 <a:tc>
                   <a:txBody>
                     <a:bodyPr/>
@@ -11943,8 +14357,8 @@
         </p:nvSpPr>
         <p:spPr>
           <a:xfrm>
-            <a:off x="6751987" y="3579516"/>
-            <a:ext cx="2570922" cy="338554"/>
+            <a:off x="2121924" y="3985918"/>
+            <a:ext cx="3576542" cy="338554"/>
           </a:xfrm>
           <a:prstGeom prst="rect">
             <a:avLst/>
@@ -11992,48 +14406,18 @@
           <a:p>
             <a:fld id="{0252BDE4-267E-408A-8E9B-97A99B817732}" type="slidenum">
               <a:rPr lang="en-IN" smtClean="0"/>
-              <a:t>3</a:t>
+              <a:t>5</a:t>
             </a:fld>
             <a:endParaRPr lang="en-IN" dirty="0"/>
           </a:p>
         </p:txBody>
       </p:sp>
-    </p:spTree>
-    <p:extLst>
-      <p:ext uri="{BB962C8B-B14F-4D97-AF65-F5344CB8AC3E}">
-        <p14:creationId xmlns:p14="http://schemas.microsoft.com/office/powerpoint/2010/main" val="2262677852"/>
-      </p:ext>
-    </p:extLst>
-  </p:cSld>
-  <p:clrMapOvr>
-    <a:masterClrMapping/>
-  </p:clrMapOvr>
-</p:sld>
-</file>
-
-<file path=ppt/slides/slide4.xml><?xml version="1.0" encoding="utf-8"?>
-<p:sld xmlns:a="http://schemas.openxmlformats.org/drawingml/2006/main" xmlns:r="http://schemas.openxmlformats.org/officeDocument/2006/relationships" xmlns:p="http://schemas.openxmlformats.org/presentationml/2006/main">
-  <p:cSld>
-    <p:spTree>
-      <p:nvGrpSpPr>
-        <p:cNvPr id="1" name=""/>
-        <p:cNvGrpSpPr/>
-        <p:nvPr/>
-      </p:nvGrpSpPr>
-      <p:grpSpPr>
-        <a:xfrm>
-          <a:off x="0" y="0"/>
-          <a:ext cx="0" cy="0"/>
-          <a:chOff x="0" y="0"/>
-          <a:chExt cx="0" cy="0"/>
-        </a:xfrm>
-      </p:grpSpPr>
       <p:sp>
         <p:nvSpPr>
-          <p:cNvPr id="2" name="Title 1">
+          <p:cNvPr id="22" name="Title 1">
             <a:extLst>
               <a:ext uri="{FF2B5EF4-FFF2-40B4-BE49-F238E27FC236}">
-                <a16:creationId xmlns:a16="http://schemas.microsoft.com/office/drawing/2014/main" id="{2F982C35-9365-4402-8B09-AE4494AE5F97}"/>
+                <a16:creationId xmlns:a16="http://schemas.microsoft.com/office/drawing/2014/main" id="{6B41A8F9-728A-4AFE-BE5C-73C7E033BC58}"/>
               </a:ext>
             </a:extLst>
           </p:cNvPr>
@@ -12046,8 +14430,8 @@
         </p:nvSpPr>
         <p:spPr>
           <a:xfrm>
-            <a:off x="838200" y="365126"/>
-            <a:ext cx="10515600" cy="893832"/>
+            <a:off x="838200" y="234500"/>
+            <a:ext cx="10515600" cy="549274"/>
           </a:xfrm>
           <a:ln>
             <a:solidFill>
@@ -12057,7 +14441,7 @@
         </p:spPr>
         <p:txBody>
           <a:bodyPr>
-            <a:normAutofit/>
+            <a:normAutofit fontScale="90000"/>
           </a:bodyPr>
           <a:lstStyle/>
           <a:p>
@@ -12067,554 +14451,15 @@
                   <a:schemeClr val="accent1"/>
                 </a:solidFill>
               </a:rPr>
-              <a:t>Data (2/2)</a:t>
+              <a:t>Data (3/3)</a:t>
             </a:r>
           </a:p>
         </p:txBody>
       </p:sp>
-      <p:sp>
-        <p:nvSpPr>
-          <p:cNvPr id="5" name="Slide Number Placeholder 4">
-            <a:extLst>
-              <a:ext uri="{FF2B5EF4-FFF2-40B4-BE49-F238E27FC236}">
-                <a16:creationId xmlns:a16="http://schemas.microsoft.com/office/drawing/2014/main" id="{12BED3AA-B432-4CDA-9FD9-832EE0BE8D9A}"/>
-              </a:ext>
-            </a:extLst>
-          </p:cNvPr>
-          <p:cNvSpPr>
-            <a:spLocks noGrp="1"/>
-          </p:cNvSpPr>
-          <p:nvPr>
-            <p:ph type="sldNum" sz="quarter" idx="12"/>
-          </p:nvPr>
-        </p:nvSpPr>
-        <p:spPr>
-          <a:xfrm>
-            <a:off x="9448800" y="6445798"/>
-            <a:ext cx="2743200" cy="365125"/>
-          </a:xfrm>
-        </p:spPr>
-        <p:txBody>
-          <a:bodyPr/>
-          <a:lstStyle/>
-          <a:p>
-            <a:fld id="{0252BDE4-267E-408A-8E9B-97A99B817732}" type="slidenum">
-              <a:rPr lang="en-IN" smtClean="0"/>
-              <a:t>4</a:t>
-            </a:fld>
-            <a:endParaRPr lang="en-IN" dirty="0"/>
-          </a:p>
-        </p:txBody>
-      </p:sp>
-      <p:grpSp>
-        <p:nvGrpSpPr>
-          <p:cNvPr id="7" name="Group 6">
-            <a:extLst>
-              <a:ext uri="{FF2B5EF4-FFF2-40B4-BE49-F238E27FC236}">
-                <a16:creationId xmlns:a16="http://schemas.microsoft.com/office/drawing/2014/main" id="{4DDEA402-F6BC-4B31-B5A7-042622241A51}"/>
-              </a:ext>
-            </a:extLst>
-          </p:cNvPr>
-          <p:cNvGrpSpPr/>
-          <p:nvPr/>
-        </p:nvGrpSpPr>
-        <p:grpSpPr>
-          <a:xfrm>
-            <a:off x="838199" y="1336715"/>
-            <a:ext cx="10515599" cy="3949270"/>
-            <a:chOff x="838200" y="1347790"/>
-            <a:chExt cx="5430078" cy="3365565"/>
-          </a:xfrm>
-        </p:grpSpPr>
-        <p:sp>
-          <p:nvSpPr>
-            <p:cNvPr id="8" name="Freeform: Shape 7">
-              <a:extLst>
-                <a:ext uri="{FF2B5EF4-FFF2-40B4-BE49-F238E27FC236}">
-                  <a16:creationId xmlns:a16="http://schemas.microsoft.com/office/drawing/2014/main" id="{A3C7B3E8-FE72-4736-8BBC-CA23E45CC5C8}"/>
-                </a:ext>
-              </a:extLst>
-            </p:cNvPr>
-            <p:cNvSpPr/>
-            <p:nvPr/>
-          </p:nvSpPr>
-          <p:spPr>
-            <a:xfrm>
-              <a:off x="838200" y="1572206"/>
-              <a:ext cx="5430078" cy="3141149"/>
-            </a:xfrm>
-            <a:custGeom>
-              <a:avLst/>
-              <a:gdLst>
-                <a:gd name="connsiteX0" fmla="*/ 0 w 5430078"/>
-                <a:gd name="connsiteY0" fmla="*/ 0 h 990675"/>
-                <a:gd name="connsiteX1" fmla="*/ 5430078 w 5430078"/>
-                <a:gd name="connsiteY1" fmla="*/ 0 h 990675"/>
-                <a:gd name="connsiteX2" fmla="*/ 5430078 w 5430078"/>
-                <a:gd name="connsiteY2" fmla="*/ 990675 h 990675"/>
-                <a:gd name="connsiteX3" fmla="*/ 0 w 5430078"/>
-                <a:gd name="connsiteY3" fmla="*/ 990675 h 990675"/>
-                <a:gd name="connsiteX4" fmla="*/ 0 w 5430078"/>
-                <a:gd name="connsiteY4" fmla="*/ 0 h 990675"/>
-              </a:gdLst>
-              <a:ahLst/>
-              <a:cxnLst>
-                <a:cxn ang="0">
-                  <a:pos x="connsiteX0" y="connsiteY0"/>
-                </a:cxn>
-                <a:cxn ang="0">
-                  <a:pos x="connsiteX1" y="connsiteY1"/>
-                </a:cxn>
-                <a:cxn ang="0">
-                  <a:pos x="connsiteX2" y="connsiteY2"/>
-                </a:cxn>
-                <a:cxn ang="0">
-                  <a:pos x="connsiteX3" y="connsiteY3"/>
-                </a:cxn>
-                <a:cxn ang="0">
-                  <a:pos x="connsiteX4" y="connsiteY4"/>
-                </a:cxn>
-              </a:cxnLst>
-              <a:rect l="l" t="t" r="r" b="b"/>
-              <a:pathLst>
-                <a:path w="5430078" h="990675">
-                  <a:moveTo>
-                    <a:pt x="0" y="0"/>
-                  </a:moveTo>
-                  <a:lnTo>
-                    <a:pt x="5430078" y="0"/>
-                  </a:lnTo>
-                  <a:lnTo>
-                    <a:pt x="5430078" y="990675"/>
-                  </a:lnTo>
-                  <a:lnTo>
-                    <a:pt x="0" y="990675"/>
-                  </a:lnTo>
-                  <a:lnTo>
-                    <a:pt x="0" y="0"/>
-                  </a:lnTo>
-                  <a:close/>
-                </a:path>
-              </a:pathLst>
-            </a:custGeom>
-          </p:spPr>
-          <p:style>
-            <a:lnRef idx="2">
-              <a:schemeClr val="accent1">
-                <a:hueOff val="0"/>
-                <a:satOff val="0"/>
-                <a:lumOff val="0"/>
-                <a:alphaOff val="0"/>
-              </a:schemeClr>
-            </a:lnRef>
-            <a:fillRef idx="1">
-              <a:schemeClr val="lt1">
-                <a:alpha val="90000"/>
-                <a:hueOff val="0"/>
-                <a:satOff val="0"/>
-                <a:lumOff val="0"/>
-                <a:alphaOff val="0"/>
-              </a:schemeClr>
-            </a:fillRef>
-            <a:effectRef idx="0">
-              <a:schemeClr val="lt1">
-                <a:alpha val="90000"/>
-                <a:hueOff val="0"/>
-                <a:satOff val="0"/>
-                <a:lumOff val="0"/>
-                <a:alphaOff val="0"/>
-              </a:schemeClr>
-            </a:effectRef>
-            <a:fontRef idx="minor">
-              <a:schemeClr val="dk1">
-                <a:hueOff val="0"/>
-                <a:satOff val="0"/>
-                <a:lumOff val="0"/>
-                <a:alphaOff val="0"/>
-              </a:schemeClr>
-            </a:fontRef>
-          </p:style>
-          <p:txBody>
-            <a:bodyPr spcFirstLastPara="0" vert="horz" wrap="square" lIns="421434" tIns="354076" rIns="421434" bIns="120904" numCol="1" spcCol="1270" anchor="t" anchorCtr="0">
-              <a:noAutofit/>
-            </a:bodyPr>
-            <a:lstStyle/>
-            <a:p>
-              <a:pPr marL="0" lvl="1" defTabSz="755650">
-                <a:lnSpc>
-                  <a:spcPct val="90000"/>
-                </a:lnSpc>
-                <a:spcBef>
-                  <a:spcPct val="0"/>
-                </a:spcBef>
-                <a:spcAft>
-                  <a:spcPct val="15000"/>
-                </a:spcAft>
-              </a:pPr>
-              <a:endParaRPr lang="en-IN" sz="1600" b="1" dirty="0"/>
-            </a:p>
-            <a:p>
-              <a:pPr marL="0" lvl="1" defTabSz="755650">
-                <a:lnSpc>
-                  <a:spcPct val="90000"/>
-                </a:lnSpc>
-                <a:spcBef>
-                  <a:spcPct val="0"/>
-                </a:spcBef>
-                <a:spcAft>
-                  <a:spcPct val="15000"/>
-                </a:spcAft>
-              </a:pPr>
-              <a:r>
-                <a:rPr lang="en-IN" sz="1600" b="1" dirty="0"/>
-                <a:t>Traffic Collision History</a:t>
-              </a:r>
-            </a:p>
-            <a:p>
-              <a:pPr marL="171450" lvl="1" indent="-171450" defTabSz="755650">
-                <a:lnSpc>
-                  <a:spcPct val="90000"/>
-                </a:lnSpc>
-                <a:spcBef>
-                  <a:spcPct val="0"/>
-                </a:spcBef>
-                <a:spcAft>
-                  <a:spcPct val="15000"/>
-                </a:spcAft>
-                <a:buChar char="•"/>
-              </a:pPr>
-              <a:r>
-                <a:rPr lang="en-IN" sz="1600" dirty="0"/>
-                <a:t>Since we are primarily interested in location data, most of the columns from the public dataset can be dropped</a:t>
-              </a:r>
-            </a:p>
-            <a:p>
-              <a:pPr marL="171450" lvl="1" indent="-171450" defTabSz="755650">
-                <a:lnSpc>
-                  <a:spcPct val="90000"/>
-                </a:lnSpc>
-                <a:spcBef>
-                  <a:spcPct val="0"/>
-                </a:spcBef>
-                <a:spcAft>
-                  <a:spcPct val="15000"/>
-                </a:spcAft>
-                <a:buChar char="•"/>
-              </a:pPr>
-              <a:r>
-                <a:rPr lang="en-IN" sz="1600" dirty="0"/>
-                <a:t>Latitude and Longitude are extracted to separate columns</a:t>
-              </a:r>
-            </a:p>
-            <a:p>
-              <a:pPr marL="0" lvl="1" defTabSz="755650">
-                <a:lnSpc>
-                  <a:spcPct val="90000"/>
-                </a:lnSpc>
-                <a:spcBef>
-                  <a:spcPct val="0"/>
-                </a:spcBef>
-                <a:spcAft>
-                  <a:spcPct val="15000"/>
-                </a:spcAft>
-              </a:pPr>
-              <a:endParaRPr lang="en-IN" sz="1600" dirty="0"/>
-            </a:p>
-            <a:p>
-              <a:pPr marL="0" lvl="1" defTabSz="755650">
-                <a:lnSpc>
-                  <a:spcPct val="90000"/>
-                </a:lnSpc>
-                <a:spcBef>
-                  <a:spcPct val="0"/>
-                </a:spcBef>
-                <a:spcAft>
-                  <a:spcPct val="15000"/>
-                </a:spcAft>
-              </a:pPr>
-              <a:r>
-                <a:rPr lang="en-IN" sz="1600" dirty="0"/>
-                <a:t> </a:t>
-              </a:r>
-              <a:r>
-                <a:rPr lang="en-IN" sz="1600" b="1" dirty="0"/>
-                <a:t>Hospital Locations</a:t>
-              </a:r>
-            </a:p>
-            <a:p>
-              <a:pPr marL="171450" lvl="1" indent="-171450" defTabSz="755650">
-                <a:lnSpc>
-                  <a:spcPct val="90000"/>
-                </a:lnSpc>
-                <a:spcBef>
-                  <a:spcPct val="0"/>
-                </a:spcBef>
-                <a:spcAft>
-                  <a:spcPct val="15000"/>
-                </a:spcAft>
-                <a:buChar char="•"/>
-              </a:pPr>
-              <a:r>
-                <a:rPr lang="en-IN" sz="1600" dirty="0"/>
-                <a:t>The city is divided into 8 search zones. Each search zone is a circle with radius 30 km. The centres of these search zones are set through trial and error using visual inspection of the map.</a:t>
-              </a:r>
-            </a:p>
-            <a:p>
-              <a:pPr marL="171450" lvl="1" indent="-171450" defTabSz="755650">
-                <a:lnSpc>
-                  <a:spcPct val="90000"/>
-                </a:lnSpc>
-                <a:spcBef>
-                  <a:spcPct val="0"/>
-                </a:spcBef>
-                <a:spcAft>
-                  <a:spcPct val="15000"/>
-                </a:spcAft>
-                <a:buChar char="•"/>
-              </a:pPr>
-              <a:r>
-                <a:rPr lang="en-IN" sz="1600" dirty="0"/>
-                <a:t>Foursquare API is used to browse for hospitals at each search zone. The API limits the results per zone to max 50.</a:t>
-              </a:r>
-            </a:p>
-            <a:p>
-              <a:pPr marL="171450" lvl="1" indent="-171450" defTabSz="755650">
-                <a:lnSpc>
-                  <a:spcPct val="90000"/>
-                </a:lnSpc>
-                <a:spcBef>
-                  <a:spcPct val="0"/>
-                </a:spcBef>
-                <a:spcAft>
-                  <a:spcPct val="15000"/>
-                </a:spcAft>
-                <a:buChar char="•"/>
-              </a:pPr>
-              <a:r>
-                <a:rPr lang="en-IN" sz="1600" dirty="0"/>
-                <a:t>The results from all the search zones are aggregated into a single hospital master table with removal of duplicates.</a:t>
-              </a:r>
-            </a:p>
-            <a:p>
-              <a:pPr marL="171450" lvl="1" indent="-171450" defTabSz="755650">
-                <a:lnSpc>
-                  <a:spcPct val="90000"/>
-                </a:lnSpc>
-                <a:spcBef>
-                  <a:spcPct val="0"/>
-                </a:spcBef>
-                <a:spcAft>
-                  <a:spcPct val="15000"/>
-                </a:spcAft>
-                <a:buChar char="•"/>
-              </a:pPr>
-              <a:r>
-                <a:rPr lang="en-IN" sz="1600" dirty="0"/>
-                <a:t>The public dataset lists hospitals from all cities in LA county. Hospitals missed out by API search are added to the master table using the public dataset, after limiting results to LA city.</a:t>
-              </a:r>
-            </a:p>
-            <a:p>
-              <a:pPr marL="0" lvl="1" defTabSz="755650">
-                <a:lnSpc>
-                  <a:spcPct val="90000"/>
-                </a:lnSpc>
-                <a:spcBef>
-                  <a:spcPct val="0"/>
-                </a:spcBef>
-                <a:spcAft>
-                  <a:spcPct val="15000"/>
-                </a:spcAft>
-              </a:pPr>
-              <a:endParaRPr lang="en-IN" sz="1600" dirty="0"/>
-            </a:p>
-            <a:p>
-              <a:pPr marL="171450" lvl="1" indent="-171450" defTabSz="755650">
-                <a:lnSpc>
-                  <a:spcPct val="90000"/>
-                </a:lnSpc>
-                <a:spcBef>
-                  <a:spcPct val="0"/>
-                </a:spcBef>
-                <a:spcAft>
-                  <a:spcPct val="15000"/>
-                </a:spcAft>
-                <a:buChar char="•"/>
-              </a:pPr>
-              <a:endParaRPr lang="en-IN" sz="1600" kern="1200" dirty="0"/>
-            </a:p>
-          </p:txBody>
-        </p:sp>
-        <p:sp>
-          <p:nvSpPr>
-            <p:cNvPr id="9" name="Freeform: Shape 8">
-              <a:extLst>
-                <a:ext uri="{FF2B5EF4-FFF2-40B4-BE49-F238E27FC236}">
-                  <a16:creationId xmlns:a16="http://schemas.microsoft.com/office/drawing/2014/main" id="{F61127E4-50DD-4A91-8E4D-267F1CE83FF5}"/>
-                </a:ext>
-              </a:extLst>
-            </p:cNvPr>
-            <p:cNvSpPr/>
-            <p:nvPr/>
-          </p:nvSpPr>
-          <p:spPr>
-            <a:xfrm>
-              <a:off x="1013900" y="1347790"/>
-              <a:ext cx="3801054" cy="501840"/>
-            </a:xfrm>
-            <a:custGeom>
-              <a:avLst/>
-              <a:gdLst>
-                <a:gd name="connsiteX0" fmla="*/ 0 w 3801054"/>
-                <a:gd name="connsiteY0" fmla="*/ 83642 h 501840"/>
-                <a:gd name="connsiteX1" fmla="*/ 83642 w 3801054"/>
-                <a:gd name="connsiteY1" fmla="*/ 0 h 501840"/>
-                <a:gd name="connsiteX2" fmla="*/ 3717412 w 3801054"/>
-                <a:gd name="connsiteY2" fmla="*/ 0 h 501840"/>
-                <a:gd name="connsiteX3" fmla="*/ 3801054 w 3801054"/>
-                <a:gd name="connsiteY3" fmla="*/ 83642 h 501840"/>
-                <a:gd name="connsiteX4" fmla="*/ 3801054 w 3801054"/>
-                <a:gd name="connsiteY4" fmla="*/ 418198 h 501840"/>
-                <a:gd name="connsiteX5" fmla="*/ 3717412 w 3801054"/>
-                <a:gd name="connsiteY5" fmla="*/ 501840 h 501840"/>
-                <a:gd name="connsiteX6" fmla="*/ 83642 w 3801054"/>
-                <a:gd name="connsiteY6" fmla="*/ 501840 h 501840"/>
-                <a:gd name="connsiteX7" fmla="*/ 0 w 3801054"/>
-                <a:gd name="connsiteY7" fmla="*/ 418198 h 501840"/>
-                <a:gd name="connsiteX8" fmla="*/ 0 w 3801054"/>
-                <a:gd name="connsiteY8" fmla="*/ 83642 h 501840"/>
-              </a:gdLst>
-              <a:ahLst/>
-              <a:cxnLst>
-                <a:cxn ang="0">
-                  <a:pos x="connsiteX0" y="connsiteY0"/>
-                </a:cxn>
-                <a:cxn ang="0">
-                  <a:pos x="connsiteX1" y="connsiteY1"/>
-                </a:cxn>
-                <a:cxn ang="0">
-                  <a:pos x="connsiteX2" y="connsiteY2"/>
-                </a:cxn>
-                <a:cxn ang="0">
-                  <a:pos x="connsiteX3" y="connsiteY3"/>
-                </a:cxn>
-                <a:cxn ang="0">
-                  <a:pos x="connsiteX4" y="connsiteY4"/>
-                </a:cxn>
-                <a:cxn ang="0">
-                  <a:pos x="connsiteX5" y="connsiteY5"/>
-                </a:cxn>
-                <a:cxn ang="0">
-                  <a:pos x="connsiteX6" y="connsiteY6"/>
-                </a:cxn>
-                <a:cxn ang="0">
-                  <a:pos x="connsiteX7" y="connsiteY7"/>
-                </a:cxn>
-                <a:cxn ang="0">
-                  <a:pos x="connsiteX8" y="connsiteY8"/>
-                </a:cxn>
-              </a:cxnLst>
-              <a:rect l="l" t="t" r="r" b="b"/>
-              <a:pathLst>
-                <a:path w="3801054" h="501840">
-                  <a:moveTo>
-                    <a:pt x="0" y="83642"/>
-                  </a:moveTo>
-                  <a:cubicBezTo>
-                    <a:pt x="0" y="37448"/>
-                    <a:pt x="37448" y="0"/>
-                    <a:pt x="83642" y="0"/>
-                  </a:cubicBezTo>
-                  <a:lnTo>
-                    <a:pt x="3717412" y="0"/>
-                  </a:lnTo>
-                  <a:cubicBezTo>
-                    <a:pt x="3763606" y="0"/>
-                    <a:pt x="3801054" y="37448"/>
-                    <a:pt x="3801054" y="83642"/>
-                  </a:cubicBezTo>
-                  <a:lnTo>
-                    <a:pt x="3801054" y="418198"/>
-                  </a:lnTo>
-                  <a:cubicBezTo>
-                    <a:pt x="3801054" y="464392"/>
-                    <a:pt x="3763606" y="501840"/>
-                    <a:pt x="3717412" y="501840"/>
-                  </a:cubicBezTo>
-                  <a:lnTo>
-                    <a:pt x="83642" y="501840"/>
-                  </a:lnTo>
-                  <a:cubicBezTo>
-                    <a:pt x="37448" y="501840"/>
-                    <a:pt x="0" y="464392"/>
-                    <a:pt x="0" y="418198"/>
-                  </a:cubicBezTo>
-                  <a:lnTo>
-                    <a:pt x="0" y="83642"/>
-                  </a:lnTo>
-                  <a:close/>
-                </a:path>
-              </a:pathLst>
-            </a:custGeom>
-          </p:spPr>
-          <p:style>
-            <a:lnRef idx="2">
-              <a:schemeClr val="lt1">
-                <a:hueOff val="0"/>
-                <a:satOff val="0"/>
-                <a:lumOff val="0"/>
-                <a:alphaOff val="0"/>
-              </a:schemeClr>
-            </a:lnRef>
-            <a:fillRef idx="1">
-              <a:schemeClr val="accent1">
-                <a:hueOff val="0"/>
-                <a:satOff val="0"/>
-                <a:lumOff val="0"/>
-                <a:alphaOff val="0"/>
-              </a:schemeClr>
-            </a:fillRef>
-            <a:effectRef idx="0">
-              <a:schemeClr val="accent1">
-                <a:hueOff val="0"/>
-                <a:satOff val="0"/>
-                <a:lumOff val="0"/>
-                <a:alphaOff val="0"/>
-              </a:schemeClr>
-            </a:effectRef>
-            <a:fontRef idx="minor">
-              <a:schemeClr val="lt1"/>
-            </a:fontRef>
-          </p:style>
-          <p:txBody>
-            <a:bodyPr spcFirstLastPara="0" vert="horz" wrap="square" lIns="168169" tIns="24498" rIns="168169" bIns="24498" numCol="1" spcCol="1270" anchor="ctr" anchorCtr="0">
-              <a:noAutofit/>
-            </a:bodyPr>
-            <a:lstStyle/>
-            <a:p>
-              <a:pPr marL="0" lvl="0" indent="0" algn="l" defTabSz="755650">
-                <a:lnSpc>
-                  <a:spcPct val="90000"/>
-                </a:lnSpc>
-                <a:spcBef>
-                  <a:spcPct val="0"/>
-                </a:spcBef>
-                <a:spcAft>
-                  <a:spcPct val="35000"/>
-                </a:spcAft>
-                <a:buNone/>
-              </a:pPr>
-              <a:r>
-                <a:rPr lang="en-IN" sz="1700" kern="1200" dirty="0"/>
-                <a:t>Data Collection Methodology</a:t>
-              </a:r>
-            </a:p>
-          </p:txBody>
-        </p:sp>
-      </p:grpSp>
     </p:spTree>
     <p:extLst>
       <p:ext uri="{BB962C8B-B14F-4D97-AF65-F5344CB8AC3E}">
-        <p14:creationId xmlns:p14="http://schemas.microsoft.com/office/powerpoint/2010/main" val="2370835147"/>
+        <p14:creationId xmlns:p14="http://schemas.microsoft.com/office/powerpoint/2010/main" val="2568132652"/>
       </p:ext>
     </p:extLst>
   </p:cSld>
